--- a/_Template/_Base.Pattern.pptx
+++ b/_Template/_Base.Pattern.pptx
@@ -3235,6 +3235,353 @@
     </pc:docChg>
   </pc:docChgLst>
   <pc:docChgLst>
+    <pc:chgData name="Gellenoncourt, Kevin" userId="83ce2c6d-0bd4-4cd9-955e-dd3efc6a7d5a" providerId="ADAL" clId="{A3A60514-9E58-4D9E-99F4-2C9DAB55E9EE}"/>
+    <pc:docChg chg="undo custSel addSld modSld sldOrd modSection">
+      <pc:chgData name="Gellenoncourt, Kevin" userId="83ce2c6d-0bd4-4cd9-955e-dd3efc6a7d5a" providerId="ADAL" clId="{A3A60514-9E58-4D9E-99F4-2C9DAB55E9EE}" dt="2023-04-28T08:07:53.650" v="706"/>
+      <pc:docMkLst>
+        <pc:docMk/>
+      </pc:docMkLst>
+      <pc:sldChg chg="addSp modSp mod">
+        <pc:chgData name="Gellenoncourt, Kevin" userId="83ce2c6d-0bd4-4cd9-955e-dd3efc6a7d5a" providerId="ADAL" clId="{A3A60514-9E58-4D9E-99F4-2C9DAB55E9EE}" dt="2023-04-20T12:39:41.736" v="692" actId="20577"/>
+        <pc:sldMkLst>
+          <pc:docMk/>
+          <pc:sldMk cId="1278860628" sldId="1771"/>
+        </pc:sldMkLst>
+        <pc:spChg chg="add mod">
+          <ac:chgData name="Gellenoncourt, Kevin" userId="83ce2c6d-0bd4-4cd9-955e-dd3efc6a7d5a" providerId="ADAL" clId="{A3A60514-9E58-4D9E-99F4-2C9DAB55E9EE}" dt="2023-04-19T12:35:36.076" v="548" actId="14100"/>
+          <ac:spMkLst>
+            <pc:docMk/>
+            <pc:sldMk cId="1278860628" sldId="1771"/>
+            <ac:spMk id="3" creationId="{B48AAC35-A18D-069C-DDA7-2436D2499FB8}"/>
+          </ac:spMkLst>
+        </pc:spChg>
+        <pc:spChg chg="mod">
+          <ac:chgData name="Gellenoncourt, Kevin" userId="83ce2c6d-0bd4-4cd9-955e-dd3efc6a7d5a" providerId="ADAL" clId="{A3A60514-9E58-4D9E-99F4-2C9DAB55E9EE}" dt="2023-04-20T12:39:41.736" v="692" actId="20577"/>
+          <ac:spMkLst>
+            <pc:docMk/>
+            <pc:sldMk cId="1278860628" sldId="1771"/>
+            <ac:spMk id="18" creationId="{D29CFD93-4DA2-4C5E-8607-CE2A1EFFD801}"/>
+          </ac:spMkLst>
+        </pc:spChg>
+      </pc:sldChg>
+      <pc:sldChg chg="modSp mod">
+        <pc:chgData name="Gellenoncourt, Kevin" userId="83ce2c6d-0bd4-4cd9-955e-dd3efc6a7d5a" providerId="ADAL" clId="{A3A60514-9E58-4D9E-99F4-2C9DAB55E9EE}" dt="2023-04-17T09:48:13.323" v="194" actId="14100"/>
+        <pc:sldMkLst>
+          <pc:docMk/>
+          <pc:sldMk cId="1847149617" sldId="1823"/>
+        </pc:sldMkLst>
+        <pc:spChg chg="mod">
+          <ac:chgData name="Gellenoncourt, Kevin" userId="83ce2c6d-0bd4-4cd9-955e-dd3efc6a7d5a" providerId="ADAL" clId="{A3A60514-9E58-4D9E-99F4-2C9DAB55E9EE}" dt="2023-04-17T09:47:57.162" v="193" actId="14100"/>
+          <ac:spMkLst>
+            <pc:docMk/>
+            <pc:sldMk cId="1847149617" sldId="1823"/>
+            <ac:spMk id="11" creationId="{842C7B8B-D546-5F52-8614-36B5D5B7072A}"/>
+          </ac:spMkLst>
+        </pc:spChg>
+        <pc:spChg chg="mod">
+          <ac:chgData name="Gellenoncourt, Kevin" userId="83ce2c6d-0bd4-4cd9-955e-dd3efc6a7d5a" providerId="ADAL" clId="{A3A60514-9E58-4D9E-99F4-2C9DAB55E9EE}" dt="2023-04-14T15:16:51.501" v="75" actId="20577"/>
+          <ac:spMkLst>
+            <pc:docMk/>
+            <pc:sldMk cId="1847149617" sldId="1823"/>
+            <ac:spMk id="12" creationId="{B104700F-4F00-45C5-9952-8E84D40A9556}"/>
+          </ac:spMkLst>
+        </pc:spChg>
+        <pc:spChg chg="mod">
+          <ac:chgData name="Gellenoncourt, Kevin" userId="83ce2c6d-0bd4-4cd9-955e-dd3efc6a7d5a" providerId="ADAL" clId="{A3A60514-9E58-4D9E-99F4-2C9DAB55E9EE}" dt="2023-04-14T15:15:57.774" v="67" actId="14100"/>
+          <ac:spMkLst>
+            <pc:docMk/>
+            <pc:sldMk cId="1847149617" sldId="1823"/>
+            <ac:spMk id="14" creationId="{417EBD97-910E-B0D6-C155-F9B9D1A40E38}"/>
+          </ac:spMkLst>
+        </pc:spChg>
+        <pc:spChg chg="mod">
+          <ac:chgData name="Gellenoncourt, Kevin" userId="83ce2c6d-0bd4-4cd9-955e-dd3efc6a7d5a" providerId="ADAL" clId="{A3A60514-9E58-4D9E-99F4-2C9DAB55E9EE}" dt="2023-04-17T09:48:13.323" v="194" actId="14100"/>
+          <ac:spMkLst>
+            <pc:docMk/>
+            <pc:sldMk cId="1847149617" sldId="1823"/>
+            <ac:spMk id="27" creationId="{416BE16B-1E8C-48FA-B7AE-7624496931AD}"/>
+          </ac:spMkLst>
+        </pc:spChg>
+      </pc:sldChg>
+      <pc:sldChg chg="modSp mod">
+        <pc:chgData name="Gellenoncourt, Kevin" userId="83ce2c6d-0bd4-4cd9-955e-dd3efc6a7d5a" providerId="ADAL" clId="{A3A60514-9E58-4D9E-99F4-2C9DAB55E9EE}" dt="2023-04-14T15:15:37.539" v="65" actId="13926"/>
+        <pc:sldMkLst>
+          <pc:docMk/>
+          <pc:sldMk cId="2789654304" sldId="1826"/>
+        </pc:sldMkLst>
+        <pc:spChg chg="mod">
+          <ac:chgData name="Gellenoncourt, Kevin" userId="83ce2c6d-0bd4-4cd9-955e-dd3efc6a7d5a" providerId="ADAL" clId="{A3A60514-9E58-4D9E-99F4-2C9DAB55E9EE}" dt="2023-04-14T15:15:37.539" v="65" actId="13926"/>
+          <ac:spMkLst>
+            <pc:docMk/>
+            <pc:sldMk cId="2789654304" sldId="1826"/>
+            <ac:spMk id="10" creationId="{5BEE6695-E1F4-866A-0C79-858782B14051}"/>
+          </ac:spMkLst>
+        </pc:spChg>
+        <pc:spChg chg="mod">
+          <ac:chgData name="Gellenoncourt, Kevin" userId="83ce2c6d-0bd4-4cd9-955e-dd3efc6a7d5a" providerId="ADAL" clId="{A3A60514-9E58-4D9E-99F4-2C9DAB55E9EE}" dt="2023-04-14T15:15:15.353" v="63" actId="14100"/>
+          <ac:spMkLst>
+            <pc:docMk/>
+            <pc:sldMk cId="2789654304" sldId="1826"/>
+            <ac:spMk id="13" creationId="{C083206D-4CC2-5447-AAAA-BD90521B11AA}"/>
+          </ac:spMkLst>
+        </pc:spChg>
+        <pc:spChg chg="mod">
+          <ac:chgData name="Gellenoncourt, Kevin" userId="83ce2c6d-0bd4-4cd9-955e-dd3efc6a7d5a" providerId="ADAL" clId="{A3A60514-9E58-4D9E-99F4-2C9DAB55E9EE}" dt="2023-04-14T15:14:51.233" v="54" actId="1036"/>
+          <ac:spMkLst>
+            <pc:docMk/>
+            <pc:sldMk cId="2789654304" sldId="1826"/>
+            <ac:spMk id="14" creationId="{FAD498DE-6D7E-4853-FCE8-768C1D49C1F6}"/>
+          </ac:spMkLst>
+        </pc:spChg>
+        <pc:spChg chg="mod">
+          <ac:chgData name="Gellenoncourt, Kevin" userId="83ce2c6d-0bd4-4cd9-955e-dd3efc6a7d5a" providerId="ADAL" clId="{A3A60514-9E58-4D9E-99F4-2C9DAB55E9EE}" dt="2023-04-14T15:14:37.857" v="50" actId="20577"/>
+          <ac:spMkLst>
+            <pc:docMk/>
+            <pc:sldMk cId="2789654304" sldId="1826"/>
+            <ac:spMk id="19" creationId="{1F95986F-431B-E99B-9C26-4159CCAC4D58}"/>
+          </ac:spMkLst>
+        </pc:spChg>
+        <pc:spChg chg="mod">
+          <ac:chgData name="Gellenoncourt, Kevin" userId="83ce2c6d-0bd4-4cd9-955e-dd3efc6a7d5a" providerId="ADAL" clId="{A3A60514-9E58-4D9E-99F4-2C9DAB55E9EE}" dt="2023-04-14T15:15:27.401" v="64" actId="20577"/>
+          <ac:spMkLst>
+            <pc:docMk/>
+            <pc:sldMk cId="2789654304" sldId="1826"/>
+            <ac:spMk id="20" creationId="{B547579E-0297-7065-3C2B-B32E8777C39F}"/>
+          </ac:spMkLst>
+        </pc:spChg>
+      </pc:sldChg>
+      <pc:sldChg chg="delSp modSp mod modCm">
+        <pc:chgData name="Gellenoncourt, Kevin" userId="83ce2c6d-0bd4-4cd9-955e-dd3efc6a7d5a" providerId="ADAL" clId="{A3A60514-9E58-4D9E-99F4-2C9DAB55E9EE}" dt="2023-04-28T08:07:18.472" v="702" actId="20577"/>
+        <pc:sldMkLst>
+          <pc:docMk/>
+          <pc:sldMk cId="394559105" sldId="1828"/>
+        </pc:sldMkLst>
+        <pc:spChg chg="mod">
+          <ac:chgData name="Gellenoncourt, Kevin" userId="83ce2c6d-0bd4-4cd9-955e-dd3efc6a7d5a" providerId="ADAL" clId="{A3A60514-9E58-4D9E-99F4-2C9DAB55E9EE}" dt="2023-04-28T08:07:18.472" v="702" actId="20577"/>
+          <ac:spMkLst>
+            <pc:docMk/>
+            <pc:sldMk cId="394559105" sldId="1828"/>
+            <ac:spMk id="2" creationId="{81B4020D-2DE6-4B6C-822C-676A9E68ECFA}"/>
+          </ac:spMkLst>
+        </pc:spChg>
+        <pc:spChg chg="mod">
+          <ac:chgData name="Gellenoncourt, Kevin" userId="83ce2c6d-0bd4-4cd9-955e-dd3efc6a7d5a" providerId="ADAL" clId="{A3A60514-9E58-4D9E-99F4-2C9DAB55E9EE}" dt="2023-04-13T12:14:55.972" v="37" actId="14100"/>
+          <ac:spMkLst>
+            <pc:docMk/>
+            <pc:sldMk cId="394559105" sldId="1828"/>
+            <ac:spMk id="4" creationId="{A0E49883-BD02-0EF4-758D-0FF455BDA027}"/>
+          </ac:spMkLst>
+        </pc:spChg>
+        <pc:spChg chg="mod">
+          <ac:chgData name="Gellenoncourt, Kevin" userId="83ce2c6d-0bd4-4cd9-955e-dd3efc6a7d5a" providerId="ADAL" clId="{A3A60514-9E58-4D9E-99F4-2C9DAB55E9EE}" dt="2023-04-14T15:12:37.127" v="38" actId="20577"/>
+          <ac:spMkLst>
+            <pc:docMk/>
+            <pc:sldMk cId="394559105" sldId="1828"/>
+            <ac:spMk id="9" creationId="{77C3B844-E6D7-3624-1D88-491DC7FBE73F}"/>
+          </ac:spMkLst>
+        </pc:spChg>
+        <pc:spChg chg="mod">
+          <ac:chgData name="Gellenoncourt, Kevin" userId="83ce2c6d-0bd4-4cd9-955e-dd3efc6a7d5a" providerId="ADAL" clId="{A3A60514-9E58-4D9E-99F4-2C9DAB55E9EE}" dt="2023-04-13T12:14:45.162" v="21" actId="14100"/>
+          <ac:spMkLst>
+            <pc:docMk/>
+            <pc:sldMk cId="394559105" sldId="1828"/>
+            <ac:spMk id="11" creationId="{41A27570-4EE7-B3BA-F6CB-2BF7908DDCBF}"/>
+          </ac:spMkLst>
+        </pc:spChg>
+        <pc:spChg chg="mod">
+          <ac:chgData name="Gellenoncourt, Kevin" userId="83ce2c6d-0bd4-4cd9-955e-dd3efc6a7d5a" providerId="ADAL" clId="{A3A60514-9E58-4D9E-99F4-2C9DAB55E9EE}" dt="2023-04-13T12:14:51.807" v="35" actId="1035"/>
+          <ac:spMkLst>
+            <pc:docMk/>
+            <pc:sldMk cId="394559105" sldId="1828"/>
+            <ac:spMk id="15" creationId="{9D7E702D-19C2-2F3F-70B5-73F6CC7B90B0}"/>
+          </ac:spMkLst>
+        </pc:spChg>
+        <pc:spChg chg="mod">
+          <ac:chgData name="Gellenoncourt, Kevin" userId="83ce2c6d-0bd4-4cd9-955e-dd3efc6a7d5a" providerId="ADAL" clId="{A3A60514-9E58-4D9E-99F4-2C9DAB55E9EE}" dt="2023-04-13T12:14:53.671" v="36" actId="14100"/>
+          <ac:spMkLst>
+            <pc:docMk/>
+            <pc:sldMk cId="394559105" sldId="1828"/>
+            <ac:spMk id="16" creationId="{193E23CE-10D3-6AF3-8769-9A0DD9180317}"/>
+          </ac:spMkLst>
+        </pc:spChg>
+        <pc:spChg chg="mod">
+          <ac:chgData name="Gellenoncourt, Kevin" userId="83ce2c6d-0bd4-4cd9-955e-dd3efc6a7d5a" providerId="ADAL" clId="{A3A60514-9E58-4D9E-99F4-2C9DAB55E9EE}" dt="2023-04-17T09:49:12.005" v="238" actId="14100"/>
+          <ac:spMkLst>
+            <pc:docMk/>
+            <pc:sldMk cId="394559105" sldId="1828"/>
+            <ac:spMk id="23" creationId="{D45C1964-3199-AEA8-A302-B7CC89E83D1C}"/>
+          </ac:spMkLst>
+        </pc:spChg>
+        <pc:spChg chg="del mod">
+          <ac:chgData name="Gellenoncourt, Kevin" userId="83ce2c6d-0bd4-4cd9-955e-dd3efc6a7d5a" providerId="ADAL" clId="{A3A60514-9E58-4D9E-99F4-2C9DAB55E9EE}" dt="2023-04-17T09:49:08.618" v="237" actId="21"/>
+          <ac:spMkLst>
+            <pc:docMk/>
+            <pc:sldMk cId="394559105" sldId="1828"/>
+            <ac:spMk id="25" creationId="{1F44828C-2473-8027-6E16-DD3C9C323280}"/>
+          </ac:spMkLst>
+        </pc:spChg>
+      </pc:sldChg>
+      <pc:sldChg chg="addSp modSp mod ord">
+        <pc:chgData name="Gellenoncourt, Kevin" userId="83ce2c6d-0bd4-4cd9-955e-dd3efc6a7d5a" providerId="ADAL" clId="{A3A60514-9E58-4D9E-99F4-2C9DAB55E9EE}" dt="2023-04-28T08:07:29.764" v="704"/>
+        <pc:sldMkLst>
+          <pc:docMk/>
+          <pc:sldMk cId="1931217021" sldId="1830"/>
+        </pc:sldMkLst>
+        <pc:spChg chg="mod">
+          <ac:chgData name="Gellenoncourt, Kevin" userId="83ce2c6d-0bd4-4cd9-955e-dd3efc6a7d5a" providerId="ADAL" clId="{A3A60514-9E58-4D9E-99F4-2C9DAB55E9EE}" dt="2023-04-20T08:30:01.275" v="573" actId="20577"/>
+          <ac:spMkLst>
+            <pc:docMk/>
+            <pc:sldMk cId="1931217021" sldId="1830"/>
+            <ac:spMk id="3" creationId="{968DACCB-6332-4C26-39F2-2D374711D2B0}"/>
+          </ac:spMkLst>
+        </pc:spChg>
+        <pc:spChg chg="add mod">
+          <ac:chgData name="Gellenoncourt, Kevin" userId="83ce2c6d-0bd4-4cd9-955e-dd3efc6a7d5a" providerId="ADAL" clId="{A3A60514-9E58-4D9E-99F4-2C9DAB55E9EE}" dt="2023-04-20T08:30:58.508" v="610" actId="14100"/>
+          <ac:spMkLst>
+            <pc:docMk/>
+            <pc:sldMk cId="1931217021" sldId="1830"/>
+            <ac:spMk id="5" creationId="{70270940-53A9-A871-FF5F-3D0FED83C951}"/>
+          </ac:spMkLst>
+        </pc:spChg>
+      </pc:sldChg>
+      <pc:sldChg chg="addSp delSp modSp add mod ord delCm modCm">
+        <pc:chgData name="Gellenoncourt, Kevin" userId="83ce2c6d-0bd4-4cd9-955e-dd3efc6a7d5a" providerId="ADAL" clId="{A3A60514-9E58-4D9E-99F4-2C9DAB55E9EE}" dt="2023-04-28T08:07:53.650" v="706"/>
+        <pc:sldMkLst>
+          <pc:docMk/>
+          <pc:sldMk cId="3334357831" sldId="1831"/>
+        </pc:sldMkLst>
+        <pc:spChg chg="mod">
+          <ac:chgData name="Gellenoncourt, Kevin" userId="83ce2c6d-0bd4-4cd9-955e-dd3efc6a7d5a" providerId="ADAL" clId="{A3A60514-9E58-4D9E-99F4-2C9DAB55E9EE}" dt="2023-04-18T16:05:25.425" v="420" actId="20577"/>
+          <ac:spMkLst>
+            <pc:docMk/>
+            <pc:sldMk cId="3334357831" sldId="1831"/>
+            <ac:spMk id="3" creationId="{C3167168-4490-6A90-9CBD-B650CA1D9D85}"/>
+          </ac:spMkLst>
+        </pc:spChg>
+        <pc:spChg chg="mod">
+          <ac:chgData name="Gellenoncourt, Kevin" userId="83ce2c6d-0bd4-4cd9-955e-dd3efc6a7d5a" providerId="ADAL" clId="{A3A60514-9E58-4D9E-99F4-2C9DAB55E9EE}" dt="2023-04-17T09:48:50.093" v="236" actId="20577"/>
+          <ac:spMkLst>
+            <pc:docMk/>
+            <pc:sldMk cId="3334357831" sldId="1831"/>
+            <ac:spMk id="7" creationId="{F13AB203-EAC6-E49A-83BD-3061EAD28268}"/>
+          </ac:spMkLst>
+        </pc:spChg>
+        <pc:spChg chg="add mod">
+          <ac:chgData name="Gellenoncourt, Kevin" userId="83ce2c6d-0bd4-4cd9-955e-dd3efc6a7d5a" providerId="ADAL" clId="{A3A60514-9E58-4D9E-99F4-2C9DAB55E9EE}" dt="2023-04-18T16:04:37.975" v="395" actId="14100"/>
+          <ac:spMkLst>
+            <pc:docMk/>
+            <pc:sldMk cId="3334357831" sldId="1831"/>
+            <ac:spMk id="10" creationId="{2825B4BF-40B3-9FBF-C859-DA93D2777B60}"/>
+          </ac:spMkLst>
+        </pc:spChg>
+        <pc:spChg chg="mod">
+          <ac:chgData name="Gellenoncourt, Kevin" userId="83ce2c6d-0bd4-4cd9-955e-dd3efc6a7d5a" providerId="ADAL" clId="{A3A60514-9E58-4D9E-99F4-2C9DAB55E9EE}" dt="2023-04-18T16:05:36.979" v="436" actId="20577"/>
+          <ac:spMkLst>
+            <pc:docMk/>
+            <pc:sldMk cId="3334357831" sldId="1831"/>
+            <ac:spMk id="11" creationId="{842C7B8B-D546-5F52-8614-36B5D5B7072A}"/>
+          </ac:spMkLst>
+        </pc:spChg>
+        <pc:spChg chg="mod">
+          <ac:chgData name="Gellenoncourt, Kevin" userId="83ce2c6d-0bd4-4cd9-955e-dd3efc6a7d5a" providerId="ADAL" clId="{A3A60514-9E58-4D9E-99F4-2C9DAB55E9EE}" dt="2023-04-17T09:46:44.785" v="160" actId="14100"/>
+          <ac:spMkLst>
+            <pc:docMk/>
+            <pc:sldMk cId="3334357831" sldId="1831"/>
+            <ac:spMk id="12" creationId="{B104700F-4F00-45C5-9952-8E84D40A9556}"/>
+          </ac:spMkLst>
+        </pc:spChg>
+        <pc:spChg chg="add mod">
+          <ac:chgData name="Gellenoncourt, Kevin" userId="83ce2c6d-0bd4-4cd9-955e-dd3efc6a7d5a" providerId="ADAL" clId="{A3A60514-9E58-4D9E-99F4-2C9DAB55E9EE}" dt="2023-04-18T16:04:50.715" v="400" actId="14100"/>
+          <ac:spMkLst>
+            <pc:docMk/>
+            <pc:sldMk cId="3334357831" sldId="1831"/>
+            <ac:spMk id="13" creationId="{7BDA3FE1-028D-4F92-3CCF-B587021596BC}"/>
+          </ac:spMkLst>
+        </pc:spChg>
+        <pc:spChg chg="mod">
+          <ac:chgData name="Gellenoncourt, Kevin" userId="83ce2c6d-0bd4-4cd9-955e-dd3efc6a7d5a" providerId="ADAL" clId="{A3A60514-9E58-4D9E-99F4-2C9DAB55E9EE}" dt="2023-04-18T16:01:27.465" v="308" actId="20577"/>
+          <ac:spMkLst>
+            <pc:docMk/>
+            <pc:sldMk cId="3334357831" sldId="1831"/>
+            <ac:spMk id="14" creationId="{417EBD97-910E-B0D6-C155-F9B9D1A40E38}"/>
+          </ac:spMkLst>
+        </pc:spChg>
+        <pc:spChg chg="mod">
+          <ac:chgData name="Gellenoncourt, Kevin" userId="83ce2c6d-0bd4-4cd9-955e-dd3efc6a7d5a" providerId="ADAL" clId="{A3A60514-9E58-4D9E-99F4-2C9DAB55E9EE}" dt="2023-04-18T16:05:05.593" v="404" actId="20577"/>
+          <ac:spMkLst>
+            <pc:docMk/>
+            <pc:sldMk cId="3334357831" sldId="1831"/>
+            <ac:spMk id="15" creationId="{C7C48C59-B55F-8595-05E0-5A4B5D311AD4}"/>
+          </ac:spMkLst>
+        </pc:spChg>
+        <pc:spChg chg="add mod">
+          <ac:chgData name="Gellenoncourt, Kevin" userId="83ce2c6d-0bd4-4cd9-955e-dd3efc6a7d5a" providerId="ADAL" clId="{A3A60514-9E58-4D9E-99F4-2C9DAB55E9EE}" dt="2023-04-18T07:45:25.921" v="301" actId="3626"/>
+          <ac:spMkLst>
+            <pc:docMk/>
+            <pc:sldMk cId="3334357831" sldId="1831"/>
+            <ac:spMk id="16" creationId="{81C3B5F2-BA6E-CA36-C55C-CF4E663B99D6}"/>
+          </ac:spMkLst>
+        </pc:spChg>
+        <pc:spChg chg="add mod">
+          <ac:chgData name="Gellenoncourt, Kevin" userId="83ce2c6d-0bd4-4cd9-955e-dd3efc6a7d5a" providerId="ADAL" clId="{A3A60514-9E58-4D9E-99F4-2C9DAB55E9EE}" dt="2023-04-18T16:04:17.494" v="388" actId="1076"/>
+          <ac:spMkLst>
+            <pc:docMk/>
+            <pc:sldMk cId="3334357831" sldId="1831"/>
+            <ac:spMk id="17" creationId="{62072801-7EBE-BFDE-4B12-69A8A9B2A3BF}"/>
+          </ac:spMkLst>
+        </pc:spChg>
+        <pc:spChg chg="add mod">
+          <ac:chgData name="Gellenoncourt, Kevin" userId="83ce2c6d-0bd4-4cd9-955e-dd3efc6a7d5a" providerId="ADAL" clId="{A3A60514-9E58-4D9E-99F4-2C9DAB55E9EE}" dt="2023-04-18T16:04:31.819" v="394" actId="14100"/>
+          <ac:spMkLst>
+            <pc:docMk/>
+            <pc:sldMk cId="3334357831" sldId="1831"/>
+            <ac:spMk id="18" creationId="{12AF2180-CD55-EF16-53B3-15E6809EC565}"/>
+          </ac:spMkLst>
+        </pc:spChg>
+        <pc:spChg chg="del">
+          <ac:chgData name="Gellenoncourt, Kevin" userId="83ce2c6d-0bd4-4cd9-955e-dd3efc6a7d5a" providerId="ADAL" clId="{A3A60514-9E58-4D9E-99F4-2C9DAB55E9EE}" dt="2023-04-17T09:46:36.095" v="158" actId="478"/>
+          <ac:spMkLst>
+            <pc:docMk/>
+            <pc:sldMk cId="3334357831" sldId="1831"/>
+            <ac:spMk id="21" creationId="{7B90F373-D3ED-4A5A-81DD-11B4B5E645DB}"/>
+          </ac:spMkLst>
+        </pc:spChg>
+        <pc:spChg chg="mod">
+          <ac:chgData name="Gellenoncourt, Kevin" userId="83ce2c6d-0bd4-4cd9-955e-dd3efc6a7d5a" providerId="ADAL" clId="{A3A60514-9E58-4D9E-99F4-2C9DAB55E9EE}" dt="2023-04-18T16:02:45.718" v="344" actId="14100"/>
+          <ac:spMkLst>
+            <pc:docMk/>
+            <pc:sldMk cId="3334357831" sldId="1831"/>
+            <ac:spMk id="27" creationId="{416BE16B-1E8C-48FA-B7AE-7624496931AD}"/>
+          </ac:spMkLst>
+        </pc:spChg>
+      </pc:sldChg>
+    </pc:docChg>
+  </pc:docChgLst>
+  <pc:docChgLst>
+    <pc:chgData name="Gellenoncourt, Kevin" userId="S::kevin.gellenoncourt@baloise.lu::83ce2c6d-0bd4-4cd9-955e-dd3efc6a7d5a" providerId="AD" clId="Web-{D2663519-9D01-FDB8-251D-BAF415C6E9C5}"/>
+    <pc:docChg chg="modSld">
+      <pc:chgData name="Gellenoncourt, Kevin" userId="S::kevin.gellenoncourt@baloise.lu::83ce2c6d-0bd4-4cd9-955e-dd3efc6a7d5a" providerId="AD" clId="Web-{D2663519-9D01-FDB8-251D-BAF415C6E9C5}" dt="2022-12-08T15:22:13.238" v="139"/>
+      <pc:docMkLst>
+        <pc:docMk/>
+      </pc:docMkLst>
+      <pc:sldChg chg="modSp">
+        <pc:chgData name="Gellenoncourt, Kevin" userId="S::kevin.gellenoncourt@baloise.lu::83ce2c6d-0bd4-4cd9-955e-dd3efc6a7d5a" providerId="AD" clId="Web-{D2663519-9D01-FDB8-251D-BAF415C6E9C5}" dt="2022-12-08T15:22:13.238" v="139"/>
+        <pc:sldMkLst>
+          <pc:docMk/>
+          <pc:sldMk cId="2268762651" sldId="1802"/>
+        </pc:sldMkLst>
+        <pc:graphicFrameChg chg="mod modGraphic">
+          <ac:chgData name="Gellenoncourt, Kevin" userId="S::kevin.gellenoncourt@baloise.lu::83ce2c6d-0bd4-4cd9-955e-dd3efc6a7d5a" providerId="AD" clId="Web-{D2663519-9D01-FDB8-251D-BAF415C6E9C5}" dt="2022-12-08T15:22:13.238" v="139"/>
+          <ac:graphicFrameMkLst>
+            <pc:docMk/>
+            <pc:sldMk cId="2268762651" sldId="1802"/>
+            <ac:graphicFrameMk id="7" creationId="{E8DCD3DC-67BD-4479-85F9-70E2CF8D4037}"/>
+          </ac:graphicFrameMkLst>
+        </pc:graphicFrameChg>
+      </pc:sldChg>
+    </pc:docChg>
+  </pc:docChgLst>
+  <pc:docChgLst>
     <pc:chgData name="Gellenoncourt, Kevin" userId="83ce2c6d-0bd4-4cd9-955e-dd3efc6a7d5a" providerId="ADAL" clId="{C9839D59-2972-4323-A767-4B90EFEABC06}"/>
     <pc:docChg chg="undo redo custSel addSld delSld modSld sldOrd modMainMaster addSection delSection modSection">
       <pc:chgData name="Gellenoncourt, Kevin" userId="83ce2c6d-0bd4-4cd9-955e-dd3efc6a7d5a" providerId="ADAL" clId="{C9839D59-2972-4323-A767-4B90EFEABC06}" dt="2023-02-13T08:21:11.424" v="54716" actId="1076"/>
@@ -14131,353 +14478,6 @@
           </pc:spChg>
         </pc:sldLayoutChg>
       </pc:sldMasterChg>
-    </pc:docChg>
-  </pc:docChgLst>
-  <pc:docChgLst>
-    <pc:chgData name="Gellenoncourt, Kevin" userId="S::kevin.gellenoncourt@baloise.lu::83ce2c6d-0bd4-4cd9-955e-dd3efc6a7d5a" providerId="AD" clId="Web-{D2663519-9D01-FDB8-251D-BAF415C6E9C5}"/>
-    <pc:docChg chg="modSld">
-      <pc:chgData name="Gellenoncourt, Kevin" userId="S::kevin.gellenoncourt@baloise.lu::83ce2c6d-0bd4-4cd9-955e-dd3efc6a7d5a" providerId="AD" clId="Web-{D2663519-9D01-FDB8-251D-BAF415C6E9C5}" dt="2022-12-08T15:22:13.238" v="139"/>
-      <pc:docMkLst>
-        <pc:docMk/>
-      </pc:docMkLst>
-      <pc:sldChg chg="modSp">
-        <pc:chgData name="Gellenoncourt, Kevin" userId="S::kevin.gellenoncourt@baloise.lu::83ce2c6d-0bd4-4cd9-955e-dd3efc6a7d5a" providerId="AD" clId="Web-{D2663519-9D01-FDB8-251D-BAF415C6E9C5}" dt="2022-12-08T15:22:13.238" v="139"/>
-        <pc:sldMkLst>
-          <pc:docMk/>
-          <pc:sldMk cId="2268762651" sldId="1802"/>
-        </pc:sldMkLst>
-        <pc:graphicFrameChg chg="mod modGraphic">
-          <ac:chgData name="Gellenoncourt, Kevin" userId="S::kevin.gellenoncourt@baloise.lu::83ce2c6d-0bd4-4cd9-955e-dd3efc6a7d5a" providerId="AD" clId="Web-{D2663519-9D01-FDB8-251D-BAF415C6E9C5}" dt="2022-12-08T15:22:13.238" v="139"/>
-          <ac:graphicFrameMkLst>
-            <pc:docMk/>
-            <pc:sldMk cId="2268762651" sldId="1802"/>
-            <ac:graphicFrameMk id="7" creationId="{E8DCD3DC-67BD-4479-85F9-70E2CF8D4037}"/>
-          </ac:graphicFrameMkLst>
-        </pc:graphicFrameChg>
-      </pc:sldChg>
-    </pc:docChg>
-  </pc:docChgLst>
-  <pc:docChgLst>
-    <pc:chgData name="Gellenoncourt, Kevin" userId="83ce2c6d-0bd4-4cd9-955e-dd3efc6a7d5a" providerId="ADAL" clId="{A3A60514-9E58-4D9E-99F4-2C9DAB55E9EE}"/>
-    <pc:docChg chg="undo custSel addSld modSld sldOrd modSection">
-      <pc:chgData name="Gellenoncourt, Kevin" userId="83ce2c6d-0bd4-4cd9-955e-dd3efc6a7d5a" providerId="ADAL" clId="{A3A60514-9E58-4D9E-99F4-2C9DAB55E9EE}" dt="2023-04-28T08:07:53.650" v="706"/>
-      <pc:docMkLst>
-        <pc:docMk/>
-      </pc:docMkLst>
-      <pc:sldChg chg="addSp modSp mod">
-        <pc:chgData name="Gellenoncourt, Kevin" userId="83ce2c6d-0bd4-4cd9-955e-dd3efc6a7d5a" providerId="ADAL" clId="{A3A60514-9E58-4D9E-99F4-2C9DAB55E9EE}" dt="2023-04-20T12:39:41.736" v="692" actId="20577"/>
-        <pc:sldMkLst>
-          <pc:docMk/>
-          <pc:sldMk cId="1278860628" sldId="1771"/>
-        </pc:sldMkLst>
-        <pc:spChg chg="add mod">
-          <ac:chgData name="Gellenoncourt, Kevin" userId="83ce2c6d-0bd4-4cd9-955e-dd3efc6a7d5a" providerId="ADAL" clId="{A3A60514-9E58-4D9E-99F4-2C9DAB55E9EE}" dt="2023-04-19T12:35:36.076" v="548" actId="14100"/>
-          <ac:spMkLst>
-            <pc:docMk/>
-            <pc:sldMk cId="1278860628" sldId="1771"/>
-            <ac:spMk id="3" creationId="{B48AAC35-A18D-069C-DDA7-2436D2499FB8}"/>
-          </ac:spMkLst>
-        </pc:spChg>
-        <pc:spChg chg="mod">
-          <ac:chgData name="Gellenoncourt, Kevin" userId="83ce2c6d-0bd4-4cd9-955e-dd3efc6a7d5a" providerId="ADAL" clId="{A3A60514-9E58-4D9E-99F4-2C9DAB55E9EE}" dt="2023-04-20T12:39:41.736" v="692" actId="20577"/>
-          <ac:spMkLst>
-            <pc:docMk/>
-            <pc:sldMk cId="1278860628" sldId="1771"/>
-            <ac:spMk id="18" creationId="{D29CFD93-4DA2-4C5E-8607-CE2A1EFFD801}"/>
-          </ac:spMkLst>
-        </pc:spChg>
-      </pc:sldChg>
-      <pc:sldChg chg="modSp mod">
-        <pc:chgData name="Gellenoncourt, Kevin" userId="83ce2c6d-0bd4-4cd9-955e-dd3efc6a7d5a" providerId="ADAL" clId="{A3A60514-9E58-4D9E-99F4-2C9DAB55E9EE}" dt="2023-04-17T09:48:13.323" v="194" actId="14100"/>
-        <pc:sldMkLst>
-          <pc:docMk/>
-          <pc:sldMk cId="1847149617" sldId="1823"/>
-        </pc:sldMkLst>
-        <pc:spChg chg="mod">
-          <ac:chgData name="Gellenoncourt, Kevin" userId="83ce2c6d-0bd4-4cd9-955e-dd3efc6a7d5a" providerId="ADAL" clId="{A3A60514-9E58-4D9E-99F4-2C9DAB55E9EE}" dt="2023-04-17T09:47:57.162" v="193" actId="14100"/>
-          <ac:spMkLst>
-            <pc:docMk/>
-            <pc:sldMk cId="1847149617" sldId="1823"/>
-            <ac:spMk id="11" creationId="{842C7B8B-D546-5F52-8614-36B5D5B7072A}"/>
-          </ac:spMkLst>
-        </pc:spChg>
-        <pc:spChg chg="mod">
-          <ac:chgData name="Gellenoncourt, Kevin" userId="83ce2c6d-0bd4-4cd9-955e-dd3efc6a7d5a" providerId="ADAL" clId="{A3A60514-9E58-4D9E-99F4-2C9DAB55E9EE}" dt="2023-04-14T15:16:51.501" v="75" actId="20577"/>
-          <ac:spMkLst>
-            <pc:docMk/>
-            <pc:sldMk cId="1847149617" sldId="1823"/>
-            <ac:spMk id="12" creationId="{B104700F-4F00-45C5-9952-8E84D40A9556}"/>
-          </ac:spMkLst>
-        </pc:spChg>
-        <pc:spChg chg="mod">
-          <ac:chgData name="Gellenoncourt, Kevin" userId="83ce2c6d-0bd4-4cd9-955e-dd3efc6a7d5a" providerId="ADAL" clId="{A3A60514-9E58-4D9E-99F4-2C9DAB55E9EE}" dt="2023-04-14T15:15:57.774" v="67" actId="14100"/>
-          <ac:spMkLst>
-            <pc:docMk/>
-            <pc:sldMk cId="1847149617" sldId="1823"/>
-            <ac:spMk id="14" creationId="{417EBD97-910E-B0D6-C155-F9B9D1A40E38}"/>
-          </ac:spMkLst>
-        </pc:spChg>
-        <pc:spChg chg="mod">
-          <ac:chgData name="Gellenoncourt, Kevin" userId="83ce2c6d-0bd4-4cd9-955e-dd3efc6a7d5a" providerId="ADAL" clId="{A3A60514-9E58-4D9E-99F4-2C9DAB55E9EE}" dt="2023-04-17T09:48:13.323" v="194" actId="14100"/>
-          <ac:spMkLst>
-            <pc:docMk/>
-            <pc:sldMk cId="1847149617" sldId="1823"/>
-            <ac:spMk id="27" creationId="{416BE16B-1E8C-48FA-B7AE-7624496931AD}"/>
-          </ac:spMkLst>
-        </pc:spChg>
-      </pc:sldChg>
-      <pc:sldChg chg="modSp mod">
-        <pc:chgData name="Gellenoncourt, Kevin" userId="83ce2c6d-0bd4-4cd9-955e-dd3efc6a7d5a" providerId="ADAL" clId="{A3A60514-9E58-4D9E-99F4-2C9DAB55E9EE}" dt="2023-04-14T15:15:37.539" v="65" actId="13926"/>
-        <pc:sldMkLst>
-          <pc:docMk/>
-          <pc:sldMk cId="2789654304" sldId="1826"/>
-        </pc:sldMkLst>
-        <pc:spChg chg="mod">
-          <ac:chgData name="Gellenoncourt, Kevin" userId="83ce2c6d-0bd4-4cd9-955e-dd3efc6a7d5a" providerId="ADAL" clId="{A3A60514-9E58-4D9E-99F4-2C9DAB55E9EE}" dt="2023-04-14T15:15:37.539" v="65" actId="13926"/>
-          <ac:spMkLst>
-            <pc:docMk/>
-            <pc:sldMk cId="2789654304" sldId="1826"/>
-            <ac:spMk id="10" creationId="{5BEE6695-E1F4-866A-0C79-858782B14051}"/>
-          </ac:spMkLst>
-        </pc:spChg>
-        <pc:spChg chg="mod">
-          <ac:chgData name="Gellenoncourt, Kevin" userId="83ce2c6d-0bd4-4cd9-955e-dd3efc6a7d5a" providerId="ADAL" clId="{A3A60514-9E58-4D9E-99F4-2C9DAB55E9EE}" dt="2023-04-14T15:15:15.353" v="63" actId="14100"/>
-          <ac:spMkLst>
-            <pc:docMk/>
-            <pc:sldMk cId="2789654304" sldId="1826"/>
-            <ac:spMk id="13" creationId="{C083206D-4CC2-5447-AAAA-BD90521B11AA}"/>
-          </ac:spMkLst>
-        </pc:spChg>
-        <pc:spChg chg="mod">
-          <ac:chgData name="Gellenoncourt, Kevin" userId="83ce2c6d-0bd4-4cd9-955e-dd3efc6a7d5a" providerId="ADAL" clId="{A3A60514-9E58-4D9E-99F4-2C9DAB55E9EE}" dt="2023-04-14T15:14:51.233" v="54" actId="1036"/>
-          <ac:spMkLst>
-            <pc:docMk/>
-            <pc:sldMk cId="2789654304" sldId="1826"/>
-            <ac:spMk id="14" creationId="{FAD498DE-6D7E-4853-FCE8-768C1D49C1F6}"/>
-          </ac:spMkLst>
-        </pc:spChg>
-        <pc:spChg chg="mod">
-          <ac:chgData name="Gellenoncourt, Kevin" userId="83ce2c6d-0bd4-4cd9-955e-dd3efc6a7d5a" providerId="ADAL" clId="{A3A60514-9E58-4D9E-99F4-2C9DAB55E9EE}" dt="2023-04-14T15:14:37.857" v="50" actId="20577"/>
-          <ac:spMkLst>
-            <pc:docMk/>
-            <pc:sldMk cId="2789654304" sldId="1826"/>
-            <ac:spMk id="19" creationId="{1F95986F-431B-E99B-9C26-4159CCAC4D58}"/>
-          </ac:spMkLst>
-        </pc:spChg>
-        <pc:spChg chg="mod">
-          <ac:chgData name="Gellenoncourt, Kevin" userId="83ce2c6d-0bd4-4cd9-955e-dd3efc6a7d5a" providerId="ADAL" clId="{A3A60514-9E58-4D9E-99F4-2C9DAB55E9EE}" dt="2023-04-14T15:15:27.401" v="64" actId="20577"/>
-          <ac:spMkLst>
-            <pc:docMk/>
-            <pc:sldMk cId="2789654304" sldId="1826"/>
-            <ac:spMk id="20" creationId="{B547579E-0297-7065-3C2B-B32E8777C39F}"/>
-          </ac:spMkLst>
-        </pc:spChg>
-      </pc:sldChg>
-      <pc:sldChg chg="delSp modSp mod modCm">
-        <pc:chgData name="Gellenoncourt, Kevin" userId="83ce2c6d-0bd4-4cd9-955e-dd3efc6a7d5a" providerId="ADAL" clId="{A3A60514-9E58-4D9E-99F4-2C9DAB55E9EE}" dt="2023-04-28T08:07:18.472" v="702" actId="20577"/>
-        <pc:sldMkLst>
-          <pc:docMk/>
-          <pc:sldMk cId="394559105" sldId="1828"/>
-        </pc:sldMkLst>
-        <pc:spChg chg="mod">
-          <ac:chgData name="Gellenoncourt, Kevin" userId="83ce2c6d-0bd4-4cd9-955e-dd3efc6a7d5a" providerId="ADAL" clId="{A3A60514-9E58-4D9E-99F4-2C9DAB55E9EE}" dt="2023-04-28T08:07:18.472" v="702" actId="20577"/>
-          <ac:spMkLst>
-            <pc:docMk/>
-            <pc:sldMk cId="394559105" sldId="1828"/>
-            <ac:spMk id="2" creationId="{81B4020D-2DE6-4B6C-822C-676A9E68ECFA}"/>
-          </ac:spMkLst>
-        </pc:spChg>
-        <pc:spChg chg="mod">
-          <ac:chgData name="Gellenoncourt, Kevin" userId="83ce2c6d-0bd4-4cd9-955e-dd3efc6a7d5a" providerId="ADAL" clId="{A3A60514-9E58-4D9E-99F4-2C9DAB55E9EE}" dt="2023-04-13T12:14:55.972" v="37" actId="14100"/>
-          <ac:spMkLst>
-            <pc:docMk/>
-            <pc:sldMk cId="394559105" sldId="1828"/>
-            <ac:spMk id="4" creationId="{A0E49883-BD02-0EF4-758D-0FF455BDA027}"/>
-          </ac:spMkLst>
-        </pc:spChg>
-        <pc:spChg chg="mod">
-          <ac:chgData name="Gellenoncourt, Kevin" userId="83ce2c6d-0bd4-4cd9-955e-dd3efc6a7d5a" providerId="ADAL" clId="{A3A60514-9E58-4D9E-99F4-2C9DAB55E9EE}" dt="2023-04-14T15:12:37.127" v="38" actId="20577"/>
-          <ac:spMkLst>
-            <pc:docMk/>
-            <pc:sldMk cId="394559105" sldId="1828"/>
-            <ac:spMk id="9" creationId="{77C3B844-E6D7-3624-1D88-491DC7FBE73F}"/>
-          </ac:spMkLst>
-        </pc:spChg>
-        <pc:spChg chg="mod">
-          <ac:chgData name="Gellenoncourt, Kevin" userId="83ce2c6d-0bd4-4cd9-955e-dd3efc6a7d5a" providerId="ADAL" clId="{A3A60514-9E58-4D9E-99F4-2C9DAB55E9EE}" dt="2023-04-13T12:14:45.162" v="21" actId="14100"/>
-          <ac:spMkLst>
-            <pc:docMk/>
-            <pc:sldMk cId="394559105" sldId="1828"/>
-            <ac:spMk id="11" creationId="{41A27570-4EE7-B3BA-F6CB-2BF7908DDCBF}"/>
-          </ac:spMkLst>
-        </pc:spChg>
-        <pc:spChg chg="mod">
-          <ac:chgData name="Gellenoncourt, Kevin" userId="83ce2c6d-0bd4-4cd9-955e-dd3efc6a7d5a" providerId="ADAL" clId="{A3A60514-9E58-4D9E-99F4-2C9DAB55E9EE}" dt="2023-04-13T12:14:51.807" v="35" actId="1035"/>
-          <ac:spMkLst>
-            <pc:docMk/>
-            <pc:sldMk cId="394559105" sldId="1828"/>
-            <ac:spMk id="15" creationId="{9D7E702D-19C2-2F3F-70B5-73F6CC7B90B0}"/>
-          </ac:spMkLst>
-        </pc:spChg>
-        <pc:spChg chg="mod">
-          <ac:chgData name="Gellenoncourt, Kevin" userId="83ce2c6d-0bd4-4cd9-955e-dd3efc6a7d5a" providerId="ADAL" clId="{A3A60514-9E58-4D9E-99F4-2C9DAB55E9EE}" dt="2023-04-13T12:14:53.671" v="36" actId="14100"/>
-          <ac:spMkLst>
-            <pc:docMk/>
-            <pc:sldMk cId="394559105" sldId="1828"/>
-            <ac:spMk id="16" creationId="{193E23CE-10D3-6AF3-8769-9A0DD9180317}"/>
-          </ac:spMkLst>
-        </pc:spChg>
-        <pc:spChg chg="mod">
-          <ac:chgData name="Gellenoncourt, Kevin" userId="83ce2c6d-0bd4-4cd9-955e-dd3efc6a7d5a" providerId="ADAL" clId="{A3A60514-9E58-4D9E-99F4-2C9DAB55E9EE}" dt="2023-04-17T09:49:12.005" v="238" actId="14100"/>
-          <ac:spMkLst>
-            <pc:docMk/>
-            <pc:sldMk cId="394559105" sldId="1828"/>
-            <ac:spMk id="23" creationId="{D45C1964-3199-AEA8-A302-B7CC89E83D1C}"/>
-          </ac:spMkLst>
-        </pc:spChg>
-        <pc:spChg chg="del mod">
-          <ac:chgData name="Gellenoncourt, Kevin" userId="83ce2c6d-0bd4-4cd9-955e-dd3efc6a7d5a" providerId="ADAL" clId="{A3A60514-9E58-4D9E-99F4-2C9DAB55E9EE}" dt="2023-04-17T09:49:08.618" v="237" actId="21"/>
-          <ac:spMkLst>
-            <pc:docMk/>
-            <pc:sldMk cId="394559105" sldId="1828"/>
-            <ac:spMk id="25" creationId="{1F44828C-2473-8027-6E16-DD3C9C323280}"/>
-          </ac:spMkLst>
-        </pc:spChg>
-      </pc:sldChg>
-      <pc:sldChg chg="addSp modSp mod ord">
-        <pc:chgData name="Gellenoncourt, Kevin" userId="83ce2c6d-0bd4-4cd9-955e-dd3efc6a7d5a" providerId="ADAL" clId="{A3A60514-9E58-4D9E-99F4-2C9DAB55E9EE}" dt="2023-04-28T08:07:29.764" v="704"/>
-        <pc:sldMkLst>
-          <pc:docMk/>
-          <pc:sldMk cId="1931217021" sldId="1830"/>
-        </pc:sldMkLst>
-        <pc:spChg chg="mod">
-          <ac:chgData name="Gellenoncourt, Kevin" userId="83ce2c6d-0bd4-4cd9-955e-dd3efc6a7d5a" providerId="ADAL" clId="{A3A60514-9E58-4D9E-99F4-2C9DAB55E9EE}" dt="2023-04-20T08:30:01.275" v="573" actId="20577"/>
-          <ac:spMkLst>
-            <pc:docMk/>
-            <pc:sldMk cId="1931217021" sldId="1830"/>
-            <ac:spMk id="3" creationId="{968DACCB-6332-4C26-39F2-2D374711D2B0}"/>
-          </ac:spMkLst>
-        </pc:spChg>
-        <pc:spChg chg="add mod">
-          <ac:chgData name="Gellenoncourt, Kevin" userId="83ce2c6d-0bd4-4cd9-955e-dd3efc6a7d5a" providerId="ADAL" clId="{A3A60514-9E58-4D9E-99F4-2C9DAB55E9EE}" dt="2023-04-20T08:30:58.508" v="610" actId="14100"/>
-          <ac:spMkLst>
-            <pc:docMk/>
-            <pc:sldMk cId="1931217021" sldId="1830"/>
-            <ac:spMk id="5" creationId="{70270940-53A9-A871-FF5F-3D0FED83C951}"/>
-          </ac:spMkLst>
-        </pc:spChg>
-      </pc:sldChg>
-      <pc:sldChg chg="addSp delSp modSp add mod ord delCm modCm">
-        <pc:chgData name="Gellenoncourt, Kevin" userId="83ce2c6d-0bd4-4cd9-955e-dd3efc6a7d5a" providerId="ADAL" clId="{A3A60514-9E58-4D9E-99F4-2C9DAB55E9EE}" dt="2023-04-28T08:07:53.650" v="706"/>
-        <pc:sldMkLst>
-          <pc:docMk/>
-          <pc:sldMk cId="3334357831" sldId="1831"/>
-        </pc:sldMkLst>
-        <pc:spChg chg="mod">
-          <ac:chgData name="Gellenoncourt, Kevin" userId="83ce2c6d-0bd4-4cd9-955e-dd3efc6a7d5a" providerId="ADAL" clId="{A3A60514-9E58-4D9E-99F4-2C9DAB55E9EE}" dt="2023-04-18T16:05:25.425" v="420" actId="20577"/>
-          <ac:spMkLst>
-            <pc:docMk/>
-            <pc:sldMk cId="3334357831" sldId="1831"/>
-            <ac:spMk id="3" creationId="{C3167168-4490-6A90-9CBD-B650CA1D9D85}"/>
-          </ac:spMkLst>
-        </pc:spChg>
-        <pc:spChg chg="mod">
-          <ac:chgData name="Gellenoncourt, Kevin" userId="83ce2c6d-0bd4-4cd9-955e-dd3efc6a7d5a" providerId="ADAL" clId="{A3A60514-9E58-4D9E-99F4-2C9DAB55E9EE}" dt="2023-04-17T09:48:50.093" v="236" actId="20577"/>
-          <ac:spMkLst>
-            <pc:docMk/>
-            <pc:sldMk cId="3334357831" sldId="1831"/>
-            <ac:spMk id="7" creationId="{F13AB203-EAC6-E49A-83BD-3061EAD28268}"/>
-          </ac:spMkLst>
-        </pc:spChg>
-        <pc:spChg chg="add mod">
-          <ac:chgData name="Gellenoncourt, Kevin" userId="83ce2c6d-0bd4-4cd9-955e-dd3efc6a7d5a" providerId="ADAL" clId="{A3A60514-9E58-4D9E-99F4-2C9DAB55E9EE}" dt="2023-04-18T16:04:37.975" v="395" actId="14100"/>
-          <ac:spMkLst>
-            <pc:docMk/>
-            <pc:sldMk cId="3334357831" sldId="1831"/>
-            <ac:spMk id="10" creationId="{2825B4BF-40B3-9FBF-C859-DA93D2777B60}"/>
-          </ac:spMkLst>
-        </pc:spChg>
-        <pc:spChg chg="mod">
-          <ac:chgData name="Gellenoncourt, Kevin" userId="83ce2c6d-0bd4-4cd9-955e-dd3efc6a7d5a" providerId="ADAL" clId="{A3A60514-9E58-4D9E-99F4-2C9DAB55E9EE}" dt="2023-04-18T16:05:36.979" v="436" actId="20577"/>
-          <ac:spMkLst>
-            <pc:docMk/>
-            <pc:sldMk cId="3334357831" sldId="1831"/>
-            <ac:spMk id="11" creationId="{842C7B8B-D546-5F52-8614-36B5D5B7072A}"/>
-          </ac:spMkLst>
-        </pc:spChg>
-        <pc:spChg chg="mod">
-          <ac:chgData name="Gellenoncourt, Kevin" userId="83ce2c6d-0bd4-4cd9-955e-dd3efc6a7d5a" providerId="ADAL" clId="{A3A60514-9E58-4D9E-99F4-2C9DAB55E9EE}" dt="2023-04-17T09:46:44.785" v="160" actId="14100"/>
-          <ac:spMkLst>
-            <pc:docMk/>
-            <pc:sldMk cId="3334357831" sldId="1831"/>
-            <ac:spMk id="12" creationId="{B104700F-4F00-45C5-9952-8E84D40A9556}"/>
-          </ac:spMkLst>
-        </pc:spChg>
-        <pc:spChg chg="add mod">
-          <ac:chgData name="Gellenoncourt, Kevin" userId="83ce2c6d-0bd4-4cd9-955e-dd3efc6a7d5a" providerId="ADAL" clId="{A3A60514-9E58-4D9E-99F4-2C9DAB55E9EE}" dt="2023-04-18T16:04:50.715" v="400" actId="14100"/>
-          <ac:spMkLst>
-            <pc:docMk/>
-            <pc:sldMk cId="3334357831" sldId="1831"/>
-            <ac:spMk id="13" creationId="{7BDA3FE1-028D-4F92-3CCF-B587021596BC}"/>
-          </ac:spMkLst>
-        </pc:spChg>
-        <pc:spChg chg="mod">
-          <ac:chgData name="Gellenoncourt, Kevin" userId="83ce2c6d-0bd4-4cd9-955e-dd3efc6a7d5a" providerId="ADAL" clId="{A3A60514-9E58-4D9E-99F4-2C9DAB55E9EE}" dt="2023-04-18T16:01:27.465" v="308" actId="20577"/>
-          <ac:spMkLst>
-            <pc:docMk/>
-            <pc:sldMk cId="3334357831" sldId="1831"/>
-            <ac:spMk id="14" creationId="{417EBD97-910E-B0D6-C155-F9B9D1A40E38}"/>
-          </ac:spMkLst>
-        </pc:spChg>
-        <pc:spChg chg="mod">
-          <ac:chgData name="Gellenoncourt, Kevin" userId="83ce2c6d-0bd4-4cd9-955e-dd3efc6a7d5a" providerId="ADAL" clId="{A3A60514-9E58-4D9E-99F4-2C9DAB55E9EE}" dt="2023-04-18T16:05:05.593" v="404" actId="20577"/>
-          <ac:spMkLst>
-            <pc:docMk/>
-            <pc:sldMk cId="3334357831" sldId="1831"/>
-            <ac:spMk id="15" creationId="{C7C48C59-B55F-8595-05E0-5A4B5D311AD4}"/>
-          </ac:spMkLst>
-        </pc:spChg>
-        <pc:spChg chg="add mod">
-          <ac:chgData name="Gellenoncourt, Kevin" userId="83ce2c6d-0bd4-4cd9-955e-dd3efc6a7d5a" providerId="ADAL" clId="{A3A60514-9E58-4D9E-99F4-2C9DAB55E9EE}" dt="2023-04-18T07:45:25.921" v="301" actId="3626"/>
-          <ac:spMkLst>
-            <pc:docMk/>
-            <pc:sldMk cId="3334357831" sldId="1831"/>
-            <ac:spMk id="16" creationId="{81C3B5F2-BA6E-CA36-C55C-CF4E663B99D6}"/>
-          </ac:spMkLst>
-        </pc:spChg>
-        <pc:spChg chg="add mod">
-          <ac:chgData name="Gellenoncourt, Kevin" userId="83ce2c6d-0bd4-4cd9-955e-dd3efc6a7d5a" providerId="ADAL" clId="{A3A60514-9E58-4D9E-99F4-2C9DAB55E9EE}" dt="2023-04-18T16:04:17.494" v="388" actId="1076"/>
-          <ac:spMkLst>
-            <pc:docMk/>
-            <pc:sldMk cId="3334357831" sldId="1831"/>
-            <ac:spMk id="17" creationId="{62072801-7EBE-BFDE-4B12-69A8A9B2A3BF}"/>
-          </ac:spMkLst>
-        </pc:spChg>
-        <pc:spChg chg="add mod">
-          <ac:chgData name="Gellenoncourt, Kevin" userId="83ce2c6d-0bd4-4cd9-955e-dd3efc6a7d5a" providerId="ADAL" clId="{A3A60514-9E58-4D9E-99F4-2C9DAB55E9EE}" dt="2023-04-18T16:04:31.819" v="394" actId="14100"/>
-          <ac:spMkLst>
-            <pc:docMk/>
-            <pc:sldMk cId="3334357831" sldId="1831"/>
-            <ac:spMk id="18" creationId="{12AF2180-CD55-EF16-53B3-15E6809EC565}"/>
-          </ac:spMkLst>
-        </pc:spChg>
-        <pc:spChg chg="del">
-          <ac:chgData name="Gellenoncourt, Kevin" userId="83ce2c6d-0bd4-4cd9-955e-dd3efc6a7d5a" providerId="ADAL" clId="{A3A60514-9E58-4D9E-99F4-2C9DAB55E9EE}" dt="2023-04-17T09:46:36.095" v="158" actId="478"/>
-          <ac:spMkLst>
-            <pc:docMk/>
-            <pc:sldMk cId="3334357831" sldId="1831"/>
-            <ac:spMk id="21" creationId="{7B90F373-D3ED-4A5A-81DD-11B4B5E645DB}"/>
-          </ac:spMkLst>
-        </pc:spChg>
-        <pc:spChg chg="mod">
-          <ac:chgData name="Gellenoncourt, Kevin" userId="83ce2c6d-0bd4-4cd9-955e-dd3efc6a7d5a" providerId="ADAL" clId="{A3A60514-9E58-4D9E-99F4-2C9DAB55E9EE}" dt="2023-04-18T16:02:45.718" v="344" actId="14100"/>
-          <ac:spMkLst>
-            <pc:docMk/>
-            <pc:sldMk cId="3334357831" sldId="1831"/>
-            <ac:spMk id="27" creationId="{416BE16B-1E8C-48FA-B7AE-7624496931AD}"/>
-          </ac:spMkLst>
-        </pc:spChg>
-      </pc:sldChg>
     </pc:docChg>
   </pc:docChgLst>
   <pc:docChgLst>
@@ -22645,59 +22645,6 @@
       </p:grpSpPr>
       <p:sp>
         <p:nvSpPr>
-          <p:cNvPr id="31" name="Rectangle : coins arrondis 46">
-            <a:extLst>
-              <a:ext uri="{FF2B5EF4-FFF2-40B4-BE49-F238E27FC236}">
-                <a16:creationId xmlns:a16="http://schemas.microsoft.com/office/drawing/2014/main" id="{A2F953AD-CA84-7204-DACD-5F26D9DC7F9D}"/>
-              </a:ext>
-            </a:extLst>
-          </p:cNvPr>
-          <p:cNvSpPr/>
-          <p:nvPr/>
-        </p:nvSpPr>
-        <p:spPr>
-          <a:xfrm>
-            <a:off x="7013194" y="4388025"/>
-            <a:ext cx="2050796" cy="1446246"/>
-          </a:xfrm>
-          <a:prstGeom prst="roundRect">
-            <a:avLst>
-              <a:gd name="adj" fmla="val 10624"/>
-            </a:avLst>
-          </a:prstGeom>
-          <a:solidFill>
-            <a:srgbClr val="F2E81A"/>
-          </a:solidFill>
-        </p:spPr>
-        <p:style>
-          <a:lnRef idx="1">
-            <a:schemeClr val="accent1"/>
-          </a:lnRef>
-          <a:fillRef idx="3">
-            <a:schemeClr val="accent1"/>
-          </a:fillRef>
-          <a:effectRef idx="2">
-            <a:schemeClr val="accent1"/>
-          </a:effectRef>
-          <a:fontRef idx="minor">
-            <a:schemeClr val="lt1"/>
-          </a:fontRef>
-        </p:style>
-        <p:txBody>
-          <a:bodyPr rtlCol="0" anchor="t"/>
-          <a:lstStyle/>
-          <a:p>
-            <a:pPr algn="ctr"/>
-            <a:endParaRPr lang="fr-FR" b="1">
-              <a:solidFill>
-                <a:schemeClr val="tx1"/>
-              </a:solidFill>
-            </a:endParaRPr>
-          </a:p>
-        </p:txBody>
-      </p:sp>
-      <p:sp>
-        <p:nvSpPr>
           <p:cNvPr id="23" name="Rectangle : coins arrondis 46">
             <a:extLst>
               <a:ext uri="{FF2B5EF4-FFF2-40B4-BE49-F238E27FC236}">
@@ -22779,250 +22726,10 @@
               <a:buNone/>
             </a:pPr>
             <a:r>
-              <a:rPr lang="en-US" dirty="0"/>
-              <a:t>Physique.Production</a:t>
+              <a:rPr lang="en-US" dirty="0" err="1"/>
+              <a:t>Monolythe</a:t>
             </a:r>
-          </a:p>
-        </p:txBody>
-      </p:sp>
-      <p:sp>
-        <p:nvSpPr>
-          <p:cNvPr id="4" name="Rectangle : coins arrondis 9">
-            <a:extLst>
-              <a:ext uri="{FF2B5EF4-FFF2-40B4-BE49-F238E27FC236}">
-                <a16:creationId xmlns:a16="http://schemas.microsoft.com/office/drawing/2014/main" id="{C180C6BA-27D8-155C-2A72-17E27CD5CD87}"/>
-              </a:ext>
-            </a:extLst>
-          </p:cNvPr>
-          <p:cNvSpPr/>
-          <p:nvPr/>
-        </p:nvSpPr>
-        <p:spPr>
-          <a:xfrm>
-            <a:off x="9213636" y="3037978"/>
-            <a:ext cx="1753646" cy="2796292"/>
-          </a:xfrm>
-          <a:prstGeom prst="roundRect">
-            <a:avLst>
-              <a:gd name="adj" fmla="val 8643"/>
-            </a:avLst>
-          </a:prstGeom>
-          <a:solidFill>
-            <a:schemeClr val="bg1">
-              <a:lumMod val="85000"/>
-            </a:schemeClr>
-          </a:solidFill>
-        </p:spPr>
-        <p:style>
-          <a:lnRef idx="1">
-            <a:schemeClr val="accent1"/>
-          </a:lnRef>
-          <a:fillRef idx="3">
-            <a:schemeClr val="accent1"/>
-          </a:fillRef>
-          <a:effectRef idx="2">
-            <a:schemeClr val="accent1"/>
-          </a:effectRef>
-          <a:fontRef idx="minor">
-            <a:schemeClr val="lt1"/>
-          </a:fontRef>
-        </p:style>
-        <p:txBody>
-          <a:bodyPr rtlCol="0" anchor="b"/>
-          <a:lstStyle/>
-          <a:p>
-            <a:pPr algn="ctr"/>
-            <a:r>
-              <a:rPr lang="fr-FR" b="1" dirty="0">
-                <a:solidFill>
-                  <a:schemeClr val="bg1"/>
-                </a:solidFill>
-              </a:rPr>
-              <a:t>Tier Services</a:t>
-            </a:r>
-          </a:p>
-        </p:txBody>
-      </p:sp>
-      <p:sp>
-        <p:nvSpPr>
-          <p:cNvPr id="17" name="Rectangle : coins arrondis 9">
-            <a:extLst>
-              <a:ext uri="{FF2B5EF4-FFF2-40B4-BE49-F238E27FC236}">
-                <a16:creationId xmlns:a16="http://schemas.microsoft.com/office/drawing/2014/main" id="{4B21D1BD-8991-EA05-A9AF-37AF689FEF35}"/>
-              </a:ext>
-            </a:extLst>
-          </p:cNvPr>
-          <p:cNvSpPr/>
-          <p:nvPr/>
-        </p:nvSpPr>
-        <p:spPr>
-          <a:xfrm>
-            <a:off x="7401530" y="1726664"/>
-            <a:ext cx="1662462" cy="1159480"/>
-          </a:xfrm>
-          <a:prstGeom prst="roundRect">
-            <a:avLst>
-              <a:gd name="adj" fmla="val 7254"/>
-            </a:avLst>
-          </a:prstGeom>
-          <a:solidFill>
-            <a:schemeClr val="bg1">
-              <a:lumMod val="85000"/>
-            </a:schemeClr>
-          </a:solidFill>
-        </p:spPr>
-        <p:style>
-          <a:lnRef idx="1">
-            <a:schemeClr val="accent1"/>
-          </a:lnRef>
-          <a:fillRef idx="3">
-            <a:schemeClr val="accent1"/>
-          </a:fillRef>
-          <a:effectRef idx="2">
-            <a:schemeClr val="accent1"/>
-          </a:effectRef>
-          <a:fontRef idx="minor">
-            <a:schemeClr val="lt1"/>
-          </a:fontRef>
-        </p:style>
-        <p:txBody>
-          <a:bodyPr rtlCol="0" anchor="b"/>
-          <a:lstStyle/>
-          <a:p>
-            <a:pPr algn="ctr"/>
-            <a:endParaRPr lang="fr-FR" b="1" dirty="0">
-              <a:solidFill>
-                <a:schemeClr val="bg1"/>
-              </a:solidFill>
-            </a:endParaRPr>
-          </a:p>
-        </p:txBody>
-      </p:sp>
-      <p:sp>
-        <p:nvSpPr>
-          <p:cNvPr id="103" name="Rectangle : coins arrondis 9">
-            <a:extLst>
-              <a:ext uri="{FF2B5EF4-FFF2-40B4-BE49-F238E27FC236}">
-                <a16:creationId xmlns:a16="http://schemas.microsoft.com/office/drawing/2014/main" id="{7B35EB49-C1C4-40D9-8CAA-FCE2275A6DF4}"/>
-              </a:ext>
-            </a:extLst>
-          </p:cNvPr>
-          <p:cNvSpPr/>
-          <p:nvPr/>
-        </p:nvSpPr>
-        <p:spPr>
-          <a:xfrm>
-            <a:off x="7013195" y="3042870"/>
-            <a:ext cx="2050797" cy="1234029"/>
-          </a:xfrm>
-          <a:prstGeom prst="roundRect">
-            <a:avLst>
-              <a:gd name="adj" fmla="val 16510"/>
-            </a:avLst>
-          </a:prstGeom>
-          <a:solidFill>
-            <a:schemeClr val="accent1">
-              <a:lumMod val="40000"/>
-              <a:lumOff val="60000"/>
-            </a:schemeClr>
-          </a:solidFill>
-        </p:spPr>
-        <p:style>
-          <a:lnRef idx="1">
-            <a:schemeClr val="accent1"/>
-          </a:lnRef>
-          <a:fillRef idx="3">
-            <a:schemeClr val="accent1"/>
-          </a:fillRef>
-          <a:effectRef idx="2">
-            <a:schemeClr val="accent1"/>
-          </a:effectRef>
-          <a:fontRef idx="minor">
-            <a:schemeClr val="lt1"/>
-          </a:fontRef>
-        </p:style>
-        <p:txBody>
-          <a:bodyPr rtlCol="0" anchor="b"/>
-          <a:lstStyle/>
-          <a:p>
-            <a:pPr algn="ctr"/>
-            <a:r>
-              <a:rPr lang="fr-FR" sz="1600" b="1" dirty="0">
-                <a:solidFill>
-                  <a:schemeClr val="bg1"/>
-                </a:solidFill>
-              </a:rPr>
-              <a:t>Azure*</a:t>
-            </a:r>
-            <a:endParaRPr lang="fr-FR" b="1" dirty="0">
-              <a:solidFill>
-                <a:schemeClr val="bg1"/>
-              </a:solidFill>
-            </a:endParaRPr>
-          </a:p>
-        </p:txBody>
-      </p:sp>
-      <p:sp>
-        <p:nvSpPr>
-          <p:cNvPr id="10" name="Rectangle : coins arrondis 9">
-            <a:extLst>
-              <a:ext uri="{FF2B5EF4-FFF2-40B4-BE49-F238E27FC236}">
-                <a16:creationId xmlns:a16="http://schemas.microsoft.com/office/drawing/2014/main" id="{517302A5-1414-4925-8129-DD7D2FE262F1}"/>
-              </a:ext>
-            </a:extLst>
-          </p:cNvPr>
-          <p:cNvSpPr/>
-          <p:nvPr/>
-        </p:nvSpPr>
-        <p:spPr>
-          <a:xfrm>
-            <a:off x="9423321" y="1478731"/>
-            <a:ext cx="1546222" cy="1411063"/>
-          </a:xfrm>
-          <a:prstGeom prst="roundRect">
-            <a:avLst>
-              <a:gd name="adj" fmla="val 13993"/>
-            </a:avLst>
-          </a:prstGeom>
-          <a:solidFill>
-            <a:schemeClr val="accent2">
-              <a:lumMod val="40000"/>
-              <a:lumOff val="60000"/>
-            </a:schemeClr>
-          </a:solidFill>
-        </p:spPr>
-        <p:style>
-          <a:lnRef idx="1">
-            <a:schemeClr val="accent1"/>
-          </a:lnRef>
-          <a:fillRef idx="3">
-            <a:schemeClr val="accent1"/>
-          </a:fillRef>
-          <a:effectRef idx="2">
-            <a:schemeClr val="accent1"/>
-          </a:effectRef>
-          <a:fontRef idx="minor">
-            <a:schemeClr val="lt1"/>
-          </a:fontRef>
-        </p:style>
-        <p:txBody>
-          <a:bodyPr rtlCol="0" anchor="b"/>
-          <a:lstStyle/>
-          <a:p>
-            <a:pPr algn="ctr"/>
-            <a:r>
-              <a:rPr lang="fr-FR" sz="1600" b="1" dirty="0">
-                <a:solidFill>
-                  <a:schemeClr val="bg1"/>
-                </a:solidFill>
-              </a:rPr>
-              <a:t>Firebase* </a:t>
-            </a:r>
-            <a:endParaRPr lang="fr-FR" b="1" dirty="0">
-              <a:solidFill>
-                <a:schemeClr val="bg1"/>
-              </a:solidFill>
-            </a:endParaRPr>
+            <a:endParaRPr lang="en-US" dirty="0"/>
           </a:p>
         </p:txBody>
       </p:sp>
@@ -23231,9 +22938,10 @@
               <a:buNone/>
             </a:pPr>
             <a:r>
-              <a:rPr lang="en-US" dirty="0"/>
-              <a:t>Logicielle</a:t>
+              <a:rPr lang="en-US" dirty="0" err="1"/>
+              <a:t>MicroServices</a:t>
             </a:r>
+            <a:endParaRPr lang="en-US" dirty="0"/>
           </a:p>
         </p:txBody>
       </p:sp>
@@ -23339,515 +23047,6 @@
           <a:p>
             <a:pPr algn="ctr"/>
             <a:endParaRPr lang="fr-FR"/>
-          </a:p>
-        </p:txBody>
-      </p:sp>
-      <p:sp>
-        <p:nvSpPr>
-          <p:cNvPr id="34" name="Rectangle : coins arrondis 9">
-            <a:extLst>
-              <a:ext uri="{FF2B5EF4-FFF2-40B4-BE49-F238E27FC236}">
-                <a16:creationId xmlns:a16="http://schemas.microsoft.com/office/drawing/2014/main" id="{904E72F0-739D-40D4-8EB1-C162FBD76913}"/>
-              </a:ext>
-            </a:extLst>
-          </p:cNvPr>
-          <p:cNvSpPr/>
-          <p:nvPr/>
-        </p:nvSpPr>
-        <p:spPr>
-          <a:xfrm>
-            <a:off x="9335045" y="3479763"/>
-            <a:ext cx="1542442" cy="379214"/>
-          </a:xfrm>
-          <a:prstGeom prst="roundRect">
-            <a:avLst>
-              <a:gd name="adj" fmla="val 32956"/>
-            </a:avLst>
-          </a:prstGeom>
-          <a:solidFill>
-            <a:schemeClr val="tx1">
-              <a:lumMod val="75000"/>
-            </a:schemeClr>
-          </a:solidFill>
-          <a:ln>
-            <a:solidFill>
-              <a:schemeClr val="accent1">
-                <a:alpha val="95000"/>
-              </a:schemeClr>
-            </a:solidFill>
-          </a:ln>
-        </p:spPr>
-        <p:style>
-          <a:lnRef idx="1">
-            <a:schemeClr val="accent1"/>
-          </a:lnRef>
-          <a:fillRef idx="3">
-            <a:schemeClr val="accent1"/>
-          </a:fillRef>
-          <a:effectRef idx="2">
-            <a:schemeClr val="accent1"/>
-          </a:effectRef>
-          <a:fontRef idx="minor">
-            <a:schemeClr val="lt1"/>
-          </a:fontRef>
-        </p:style>
-        <p:txBody>
-          <a:bodyPr wrap="square" rtlCol="0" anchor="ctr">
-            <a:spAutoFit/>
-          </a:bodyPr>
-          <a:lstStyle/>
-          <a:p>
-            <a:pPr algn="ctr"/>
-            <a:r>
-              <a:rPr lang="fr-FR" sz="1400" b="1" dirty="0"/>
-              <a:t>Brevo.Api.Mail</a:t>
-            </a:r>
-          </a:p>
-        </p:txBody>
-      </p:sp>
-      <p:sp>
-        <p:nvSpPr>
-          <p:cNvPr id="39" name="Rectangle : coins arrondis 9">
-            <a:extLst>
-              <a:ext uri="{FF2B5EF4-FFF2-40B4-BE49-F238E27FC236}">
-                <a16:creationId xmlns:a16="http://schemas.microsoft.com/office/drawing/2014/main" id="{33ADD35B-316A-469D-BA21-610986FDF3D8}"/>
-              </a:ext>
-            </a:extLst>
-          </p:cNvPr>
-          <p:cNvSpPr/>
-          <p:nvPr/>
-        </p:nvSpPr>
-        <p:spPr>
-          <a:xfrm>
-            <a:off x="7293762" y="1603219"/>
-            <a:ext cx="1662462" cy="1179695"/>
-          </a:xfrm>
-          <a:prstGeom prst="roundRect">
-            <a:avLst>
-              <a:gd name="adj" fmla="val 7254"/>
-            </a:avLst>
-          </a:prstGeom>
-          <a:solidFill>
-            <a:schemeClr val="bg1">
-              <a:lumMod val="85000"/>
-            </a:schemeClr>
-          </a:solidFill>
-        </p:spPr>
-        <p:style>
-          <a:lnRef idx="1">
-            <a:schemeClr val="accent1"/>
-          </a:lnRef>
-          <a:fillRef idx="3">
-            <a:schemeClr val="accent1"/>
-          </a:fillRef>
-          <a:effectRef idx="2">
-            <a:schemeClr val="accent1"/>
-          </a:effectRef>
-          <a:fontRef idx="minor">
-            <a:schemeClr val="lt1"/>
-          </a:fontRef>
-        </p:style>
-        <p:txBody>
-          <a:bodyPr rtlCol="0" anchor="b"/>
-          <a:lstStyle/>
-          <a:p>
-            <a:pPr algn="ctr"/>
-            <a:endParaRPr lang="fr-FR" b="1" dirty="0">
-              <a:solidFill>
-                <a:schemeClr val="bg1"/>
-              </a:solidFill>
-            </a:endParaRPr>
-          </a:p>
-        </p:txBody>
-      </p:sp>
-      <p:sp>
-        <p:nvSpPr>
-          <p:cNvPr id="40" name="AutoShape 4">
-            <a:extLst>
-              <a:ext uri="{FF2B5EF4-FFF2-40B4-BE49-F238E27FC236}">
-                <a16:creationId xmlns:a16="http://schemas.microsoft.com/office/drawing/2014/main" id="{252E7DB8-BEFD-4B84-A4FF-9298C7C98E8B}"/>
-              </a:ext>
-            </a:extLst>
-          </p:cNvPr>
-          <p:cNvSpPr>
-            <a:spLocks noChangeArrowheads="1"/>
-          </p:cNvSpPr>
-          <p:nvPr/>
-        </p:nvSpPr>
-        <p:spPr bwMode="auto">
-          <a:xfrm>
-            <a:off x="7484467" y="4621049"/>
-            <a:ext cx="1152779" cy="790242"/>
-          </a:xfrm>
-          <a:prstGeom prst="can">
-            <a:avLst>
-              <a:gd name="adj" fmla="val 18432"/>
-            </a:avLst>
-          </a:prstGeom>
-          <a:solidFill>
-            <a:srgbClr val="FFFF00"/>
-          </a:solidFill>
-          <a:ln w="12700">
-            <a:solidFill>
-              <a:schemeClr val="tx1"/>
-            </a:solidFill>
-            <a:round/>
-            <a:headEnd type="none" w="sm" len="sm"/>
-            <a:tailEnd type="none" w="sm" len="sm"/>
-          </a:ln>
-        </p:spPr>
-        <p:txBody>
-          <a:bodyPr wrap="none" anchor="ctr"/>
-          <a:lstStyle>
-            <a:defPPr>
-              <a:defRPr lang="en-US"/>
-            </a:defPPr>
-            <a:lvl1pPr marL="0" algn="l" defTabSz="914400" rtl="0" eaLnBrk="1" latinLnBrk="0" hangingPunct="1">
-              <a:defRPr sz="1800" kern="1200">
-                <a:solidFill>
-                  <a:schemeClr val="tx1"/>
-                </a:solidFill>
-                <a:latin typeface="+mn-lt"/>
-                <a:ea typeface="+mn-ea"/>
-                <a:cs typeface="+mn-cs"/>
-              </a:defRPr>
-            </a:lvl1pPr>
-            <a:lvl2pPr marL="457200" algn="l" defTabSz="914400" rtl="0" eaLnBrk="1" latinLnBrk="0" hangingPunct="1">
-              <a:defRPr sz="1800" kern="1200">
-                <a:solidFill>
-                  <a:schemeClr val="tx1"/>
-                </a:solidFill>
-                <a:latin typeface="+mn-lt"/>
-                <a:ea typeface="+mn-ea"/>
-                <a:cs typeface="+mn-cs"/>
-              </a:defRPr>
-            </a:lvl2pPr>
-            <a:lvl3pPr marL="914400" algn="l" defTabSz="914400" rtl="0" eaLnBrk="1" latinLnBrk="0" hangingPunct="1">
-              <a:defRPr sz="1800" kern="1200">
-                <a:solidFill>
-                  <a:schemeClr val="tx1"/>
-                </a:solidFill>
-                <a:latin typeface="+mn-lt"/>
-                <a:ea typeface="+mn-ea"/>
-                <a:cs typeface="+mn-cs"/>
-              </a:defRPr>
-            </a:lvl3pPr>
-            <a:lvl4pPr marL="1371600" algn="l" defTabSz="914400" rtl="0" eaLnBrk="1" latinLnBrk="0" hangingPunct="1">
-              <a:defRPr sz="1800" kern="1200">
-                <a:solidFill>
-                  <a:schemeClr val="tx1"/>
-                </a:solidFill>
-                <a:latin typeface="+mn-lt"/>
-                <a:ea typeface="+mn-ea"/>
-                <a:cs typeface="+mn-cs"/>
-              </a:defRPr>
-            </a:lvl4pPr>
-            <a:lvl5pPr marL="1828800" algn="l" defTabSz="914400" rtl="0" eaLnBrk="1" latinLnBrk="0" hangingPunct="1">
-              <a:defRPr sz="1800" kern="1200">
-                <a:solidFill>
-                  <a:schemeClr val="tx1"/>
-                </a:solidFill>
-                <a:latin typeface="+mn-lt"/>
-                <a:ea typeface="+mn-ea"/>
-                <a:cs typeface="+mn-cs"/>
-              </a:defRPr>
-            </a:lvl5pPr>
-            <a:lvl6pPr marL="2286000" algn="l" defTabSz="914400" rtl="0" eaLnBrk="1" latinLnBrk="0" hangingPunct="1">
-              <a:defRPr sz="1800" kern="1200">
-                <a:solidFill>
-                  <a:schemeClr val="tx1"/>
-                </a:solidFill>
-                <a:latin typeface="+mn-lt"/>
-                <a:ea typeface="+mn-ea"/>
-                <a:cs typeface="+mn-cs"/>
-              </a:defRPr>
-            </a:lvl6pPr>
-            <a:lvl7pPr marL="2743200" algn="l" defTabSz="914400" rtl="0" eaLnBrk="1" latinLnBrk="0" hangingPunct="1">
-              <a:defRPr sz="1800" kern="1200">
-                <a:solidFill>
-                  <a:schemeClr val="tx1"/>
-                </a:solidFill>
-                <a:latin typeface="+mn-lt"/>
-                <a:ea typeface="+mn-ea"/>
-                <a:cs typeface="+mn-cs"/>
-              </a:defRPr>
-            </a:lvl7pPr>
-            <a:lvl8pPr marL="3200400" algn="l" defTabSz="914400" rtl="0" eaLnBrk="1" latinLnBrk="0" hangingPunct="1">
-              <a:defRPr sz="1800" kern="1200">
-                <a:solidFill>
-                  <a:schemeClr val="tx1"/>
-                </a:solidFill>
-                <a:latin typeface="+mn-lt"/>
-                <a:ea typeface="+mn-ea"/>
-                <a:cs typeface="+mn-cs"/>
-              </a:defRPr>
-            </a:lvl8pPr>
-            <a:lvl9pPr marL="3657600" algn="l" defTabSz="914400" rtl="0" eaLnBrk="1" latinLnBrk="0" hangingPunct="1">
-              <a:defRPr sz="1800" kern="1200">
-                <a:solidFill>
-                  <a:schemeClr val="tx1"/>
-                </a:solidFill>
-                <a:latin typeface="+mn-lt"/>
-                <a:ea typeface="+mn-ea"/>
-                <a:cs typeface="+mn-cs"/>
-              </a:defRPr>
-            </a:lvl9pPr>
-          </a:lstStyle>
-          <a:p>
-            <a:pPr algn="ctr"/>
-            <a:r>
-              <a:rPr lang="fr-FR" sz="1600" b="1" dirty="0"/>
-              <a:t>Shop.Db</a:t>
-            </a:r>
-            <a:endParaRPr lang="sv-SE" sz="1600" b="1" dirty="0"/>
-          </a:p>
-          <a:p>
-            <a:pPr algn="ctr"/>
-            <a:endParaRPr lang="en-US" sz="1000" b="1" dirty="0"/>
-          </a:p>
-        </p:txBody>
-      </p:sp>
-      <p:sp>
-        <p:nvSpPr>
-          <p:cNvPr id="51" name="Rectangle : coins arrondis 9">
-            <a:extLst>
-              <a:ext uri="{FF2B5EF4-FFF2-40B4-BE49-F238E27FC236}">
-                <a16:creationId xmlns:a16="http://schemas.microsoft.com/office/drawing/2014/main" id="{C0BC7691-5422-47BA-B1D2-50408D7D3F0F}"/>
-              </a:ext>
-            </a:extLst>
-          </p:cNvPr>
-          <p:cNvSpPr/>
-          <p:nvPr/>
-        </p:nvSpPr>
-        <p:spPr>
-          <a:xfrm>
-            <a:off x="7353216" y="3151318"/>
-            <a:ext cx="1420221" cy="790242"/>
-          </a:xfrm>
-          <a:prstGeom prst="roundRect">
-            <a:avLst>
-              <a:gd name="adj" fmla="val 16278"/>
-            </a:avLst>
-          </a:prstGeom>
-          <a:solidFill>
-            <a:schemeClr val="accent1">
-              <a:lumMod val="20000"/>
-              <a:lumOff val="80000"/>
-            </a:schemeClr>
-          </a:solidFill>
-        </p:spPr>
-        <p:style>
-          <a:lnRef idx="1">
-            <a:schemeClr val="accent1"/>
-          </a:lnRef>
-          <a:fillRef idx="3">
-            <a:schemeClr val="accent1"/>
-          </a:fillRef>
-          <a:effectRef idx="2">
-            <a:schemeClr val="accent1"/>
-          </a:effectRef>
-          <a:fontRef idx="minor">
-            <a:schemeClr val="lt1"/>
-          </a:fontRef>
-        </p:style>
-        <p:txBody>
-          <a:bodyPr rtlCol="0" anchor="ctr"/>
-          <a:lstStyle/>
-          <a:p>
-            <a:pPr algn="ctr"/>
-            <a:r>
-              <a:rPr lang="fr-FR" sz="1600" b="1" dirty="0">
-                <a:solidFill>
-                  <a:schemeClr val="tx1"/>
-                </a:solidFill>
-              </a:rPr>
-              <a:t>Shop.Api</a:t>
-            </a:r>
-          </a:p>
-        </p:txBody>
-      </p:sp>
-      <p:sp>
-        <p:nvSpPr>
-          <p:cNvPr id="53" name="Rectangle : coins arrondis 9">
-            <a:extLst>
-              <a:ext uri="{FF2B5EF4-FFF2-40B4-BE49-F238E27FC236}">
-                <a16:creationId xmlns:a16="http://schemas.microsoft.com/office/drawing/2014/main" id="{8DC14459-2FDC-49B4-80CF-4CE117A7B6A8}"/>
-              </a:ext>
-            </a:extLst>
-          </p:cNvPr>
-          <p:cNvSpPr/>
-          <p:nvPr/>
-        </p:nvSpPr>
-        <p:spPr>
-          <a:xfrm>
-            <a:off x="9553190" y="1603219"/>
-            <a:ext cx="1288533" cy="748010"/>
-          </a:xfrm>
-          <a:prstGeom prst="roundRect">
-            <a:avLst>
-              <a:gd name="adj" fmla="val 23289"/>
-            </a:avLst>
-          </a:prstGeom>
-          <a:solidFill>
-            <a:schemeClr val="accent2">
-              <a:lumMod val="20000"/>
-              <a:lumOff val="80000"/>
-            </a:schemeClr>
-          </a:solidFill>
-        </p:spPr>
-        <p:style>
-          <a:lnRef idx="1">
-            <a:schemeClr val="accent1"/>
-          </a:lnRef>
-          <a:fillRef idx="3">
-            <a:schemeClr val="accent1"/>
-          </a:fillRef>
-          <a:effectRef idx="2">
-            <a:schemeClr val="accent1"/>
-          </a:effectRef>
-          <a:fontRef idx="minor">
-            <a:schemeClr val="lt1"/>
-          </a:fontRef>
-        </p:style>
-        <p:txBody>
-          <a:bodyPr vert="horz" rtlCol="0" anchor="ctr"/>
-          <a:lstStyle/>
-          <a:p>
-            <a:pPr algn="ctr"/>
-            <a:r>
-              <a:rPr lang="fr-FR" sz="1600" b="1" dirty="0">
-                <a:solidFill>
-                  <a:schemeClr val="tx1"/>
-                </a:solidFill>
-              </a:rPr>
-              <a:t>Shop.App (Code)</a:t>
-            </a:r>
-          </a:p>
-        </p:txBody>
-      </p:sp>
-      <p:sp>
-        <p:nvSpPr>
-          <p:cNvPr id="35" name="Rectangle : coins arrondis 9">
-            <a:extLst>
-              <a:ext uri="{FF2B5EF4-FFF2-40B4-BE49-F238E27FC236}">
-                <a16:creationId xmlns:a16="http://schemas.microsoft.com/office/drawing/2014/main" id="{1A444D97-26F3-4AF1-B180-9518B29AADC4}"/>
-              </a:ext>
-            </a:extLst>
-          </p:cNvPr>
-          <p:cNvSpPr/>
-          <p:nvPr/>
-        </p:nvSpPr>
-        <p:spPr>
-          <a:xfrm>
-            <a:off x="7176738" y="1478732"/>
-            <a:ext cx="1662461" cy="1179695"/>
-          </a:xfrm>
-          <a:prstGeom prst="roundRect">
-            <a:avLst>
-              <a:gd name="adj" fmla="val 7254"/>
-            </a:avLst>
-          </a:prstGeom>
-          <a:solidFill>
-            <a:schemeClr val="bg1">
-              <a:lumMod val="85000"/>
-            </a:schemeClr>
-          </a:solidFill>
-        </p:spPr>
-        <p:style>
-          <a:lnRef idx="1">
-            <a:schemeClr val="accent1"/>
-          </a:lnRef>
-          <a:fillRef idx="3">
-            <a:schemeClr val="accent1"/>
-          </a:fillRef>
-          <a:effectRef idx="2">
-            <a:schemeClr val="accent1"/>
-          </a:effectRef>
-          <a:fontRef idx="minor">
-            <a:schemeClr val="lt1"/>
-          </a:fontRef>
-        </p:style>
-        <p:txBody>
-          <a:bodyPr rtlCol="0" anchor="t"/>
-          <a:lstStyle/>
-          <a:p>
-            <a:r>
-              <a:rPr lang="fr-FR" sz="1600" b="1" dirty="0" err="1">
-                <a:solidFill>
-                  <a:schemeClr val="bg1"/>
-                </a:solidFill>
-              </a:rPr>
-              <a:t>User.Machine</a:t>
-            </a:r>
-            <a:endParaRPr lang="fr-FR" sz="1600" b="1" dirty="0">
-              <a:solidFill>
-                <a:schemeClr val="bg1"/>
-              </a:solidFill>
-            </a:endParaRPr>
-          </a:p>
-        </p:txBody>
-      </p:sp>
-      <p:sp>
-        <p:nvSpPr>
-          <p:cNvPr id="18" name="Rectangle : coins arrondis 9">
-            <a:extLst>
-              <a:ext uri="{FF2B5EF4-FFF2-40B4-BE49-F238E27FC236}">
-                <a16:creationId xmlns:a16="http://schemas.microsoft.com/office/drawing/2014/main" id="{B8146FDE-3350-55CD-0C6A-CA9E78FC5AE8}"/>
-              </a:ext>
-            </a:extLst>
-          </p:cNvPr>
-          <p:cNvSpPr/>
-          <p:nvPr/>
-        </p:nvSpPr>
-        <p:spPr>
-          <a:xfrm>
-            <a:off x="7313888" y="1848464"/>
-            <a:ext cx="1420221" cy="660077"/>
-          </a:xfrm>
-          <a:prstGeom prst="roundRect">
-            <a:avLst>
-              <a:gd name="adj" fmla="val 19595"/>
-            </a:avLst>
-          </a:prstGeom>
-          <a:solidFill>
-            <a:schemeClr val="accent2">
-              <a:lumMod val="40000"/>
-              <a:lumOff val="60000"/>
-            </a:schemeClr>
-          </a:solidFill>
-        </p:spPr>
-        <p:style>
-          <a:lnRef idx="1">
-            <a:schemeClr val="accent1"/>
-          </a:lnRef>
-          <a:fillRef idx="3">
-            <a:schemeClr val="accent1"/>
-          </a:fillRef>
-          <a:effectRef idx="2">
-            <a:schemeClr val="accent1"/>
-          </a:effectRef>
-          <a:fontRef idx="minor">
-            <a:schemeClr val="lt1"/>
-          </a:fontRef>
-        </p:style>
-        <p:txBody>
-          <a:bodyPr rtlCol="0" anchor="ctr"/>
-          <a:lstStyle/>
-          <a:p>
-            <a:pPr algn="ctr"/>
-            <a:r>
-              <a:rPr lang="fr-FR" sz="1600" b="1" dirty="0">
-                <a:solidFill>
-                  <a:schemeClr val="bg1"/>
-                </a:solidFill>
-              </a:rPr>
-              <a:t>Shop.App (Run)</a:t>
-            </a:r>
-            <a:endParaRPr lang="fr-FR" b="1" dirty="0">
-              <a:solidFill>
-                <a:schemeClr val="bg1"/>
-              </a:solidFill>
-            </a:endParaRPr>
           </a:p>
         </p:txBody>
       </p:sp>
@@ -23976,69 +23175,6 @@
       </p:sp>
       <p:sp>
         <p:nvSpPr>
-          <p:cNvPr id="21" name="Rectangle : coins arrondis 9">
-            <a:extLst>
-              <a:ext uri="{FF2B5EF4-FFF2-40B4-BE49-F238E27FC236}">
-                <a16:creationId xmlns:a16="http://schemas.microsoft.com/office/drawing/2014/main" id="{AE2C6F21-642F-7716-EC01-86CE23F6588A}"/>
-              </a:ext>
-            </a:extLst>
-          </p:cNvPr>
-          <p:cNvSpPr/>
-          <p:nvPr/>
-        </p:nvSpPr>
-        <p:spPr>
-          <a:xfrm>
-            <a:off x="9344887" y="4000117"/>
-            <a:ext cx="1532599" cy="379214"/>
-          </a:xfrm>
-          <a:prstGeom prst="roundRect">
-            <a:avLst>
-              <a:gd name="adj" fmla="val 32956"/>
-            </a:avLst>
-          </a:prstGeom>
-          <a:solidFill>
-            <a:schemeClr val="tx1">
-              <a:lumMod val="75000"/>
-            </a:schemeClr>
-          </a:solidFill>
-          <a:ln>
-            <a:solidFill>
-              <a:schemeClr val="accent1">
-                <a:alpha val="95000"/>
-              </a:schemeClr>
-            </a:solidFill>
-          </a:ln>
-        </p:spPr>
-        <p:style>
-          <a:lnRef idx="1">
-            <a:schemeClr val="accent1"/>
-          </a:lnRef>
-          <a:fillRef idx="3">
-            <a:schemeClr val="accent1"/>
-          </a:fillRef>
-          <a:effectRef idx="2">
-            <a:schemeClr val="accent1"/>
-          </a:effectRef>
-          <a:fontRef idx="minor">
-            <a:schemeClr val="lt1"/>
-          </a:fontRef>
-        </p:style>
-        <p:txBody>
-          <a:bodyPr wrap="square" rtlCol="0" anchor="ctr">
-            <a:spAutoFit/>
-          </a:bodyPr>
-          <a:lstStyle/>
-          <a:p>
-            <a:pPr algn="ctr"/>
-            <a:r>
-              <a:rPr lang="fr-FR" sz="1400" b="1" dirty="0"/>
-              <a:t>…</a:t>
-            </a:r>
-          </a:p>
-        </p:txBody>
-      </p:sp>
-      <p:sp>
-        <p:nvSpPr>
           <p:cNvPr id="22" name="Rectangle : coins arrondis 9">
             <a:extLst>
               <a:ext uri="{FF2B5EF4-FFF2-40B4-BE49-F238E27FC236}">
@@ -24095,194 +23231,6 @@
           </a:p>
         </p:txBody>
       </p:sp>
-      <p:cxnSp>
-        <p:nvCxnSpPr>
-          <p:cNvPr id="13" name="Connecteur : en angle 100">
-            <a:extLst>
-              <a:ext uri="{FF2B5EF4-FFF2-40B4-BE49-F238E27FC236}">
-                <a16:creationId xmlns:a16="http://schemas.microsoft.com/office/drawing/2014/main" id="{A27FFAFD-34B4-94BD-45FC-6C800975BA79}"/>
-              </a:ext>
-            </a:extLst>
-          </p:cNvPr>
-          <p:cNvCxnSpPr>
-            <a:cxnSpLocks/>
-            <a:stCxn id="18" idx="2"/>
-            <a:endCxn id="51" idx="0"/>
-          </p:cNvCxnSpPr>
-          <p:nvPr/>
-        </p:nvCxnSpPr>
-        <p:spPr>
-          <a:xfrm rot="16200000" flipH="1">
-            <a:off x="7722275" y="2810265"/>
-            <a:ext cx="642777" cy="39328"/>
-          </a:xfrm>
-          <a:prstGeom prst="bentConnector3">
-            <a:avLst>
-              <a:gd name="adj1" fmla="val 50000"/>
-            </a:avLst>
-          </a:prstGeom>
-          <a:ln w="50800" cap="flat">
-            <a:round/>
-            <a:headEnd type="none"/>
-            <a:tailEnd type="triangle" w="sm" len="sm"/>
-          </a:ln>
-        </p:spPr>
-        <p:style>
-          <a:lnRef idx="1">
-            <a:schemeClr val="accent1"/>
-          </a:lnRef>
-          <a:fillRef idx="0">
-            <a:schemeClr val="accent1"/>
-          </a:fillRef>
-          <a:effectRef idx="0">
-            <a:schemeClr val="accent1"/>
-          </a:effectRef>
-          <a:fontRef idx="minor">
-            <a:schemeClr val="tx1"/>
-          </a:fontRef>
-        </p:style>
-      </p:cxnSp>
-      <p:cxnSp>
-        <p:nvCxnSpPr>
-          <p:cNvPr id="25" name="Connecteur : en angle 100">
-            <a:extLst>
-              <a:ext uri="{FF2B5EF4-FFF2-40B4-BE49-F238E27FC236}">
-                <a16:creationId xmlns:a16="http://schemas.microsoft.com/office/drawing/2014/main" id="{2F88A408-F60D-B1BD-BDBF-1CC2637B8C93}"/>
-              </a:ext>
-            </a:extLst>
-          </p:cNvPr>
-          <p:cNvCxnSpPr>
-            <a:cxnSpLocks/>
-            <a:stCxn id="51" idx="2"/>
-            <a:endCxn id="40" idx="1"/>
-          </p:cNvCxnSpPr>
-          <p:nvPr/>
-        </p:nvCxnSpPr>
-        <p:spPr>
-          <a:xfrm rot="5400000">
-            <a:off x="7722348" y="4280069"/>
-            <a:ext cx="679489" cy="2470"/>
-          </a:xfrm>
-          <a:prstGeom prst="bentConnector3">
-            <a:avLst>
-              <a:gd name="adj1" fmla="val 50000"/>
-            </a:avLst>
-          </a:prstGeom>
-          <a:ln w="50800" cap="flat">
-            <a:round/>
-            <a:headEnd type="none"/>
-            <a:tailEnd type="triangle" w="sm" len="sm"/>
-          </a:ln>
-        </p:spPr>
-        <p:style>
-          <a:lnRef idx="1">
-            <a:schemeClr val="accent1"/>
-          </a:lnRef>
-          <a:fillRef idx="0">
-            <a:schemeClr val="accent1"/>
-          </a:fillRef>
-          <a:effectRef idx="0">
-            <a:schemeClr val="accent1"/>
-          </a:effectRef>
-          <a:fontRef idx="minor">
-            <a:schemeClr val="tx1"/>
-          </a:fontRef>
-        </p:style>
-      </p:cxnSp>
-      <p:cxnSp>
-        <p:nvCxnSpPr>
-          <p:cNvPr id="44" name="Connecteur : en angle 100">
-            <a:extLst>
-              <a:ext uri="{FF2B5EF4-FFF2-40B4-BE49-F238E27FC236}">
-                <a16:creationId xmlns:a16="http://schemas.microsoft.com/office/drawing/2014/main" id="{07CD8074-90A9-5CD5-BA3A-109FD9C74D6C}"/>
-              </a:ext>
-            </a:extLst>
-          </p:cNvPr>
-          <p:cNvCxnSpPr>
-            <a:cxnSpLocks/>
-            <a:stCxn id="18" idx="3"/>
-            <a:endCxn id="53" idx="1"/>
-          </p:cNvCxnSpPr>
-          <p:nvPr/>
-        </p:nvCxnSpPr>
-        <p:spPr>
-          <a:xfrm flipV="1">
-            <a:off x="8734109" y="1977224"/>
-            <a:ext cx="819081" cy="201279"/>
-          </a:xfrm>
-          <a:prstGeom prst="bentConnector3">
-            <a:avLst>
-              <a:gd name="adj1" fmla="val 50000"/>
-            </a:avLst>
-          </a:prstGeom>
-          <a:ln w="50800" cap="flat">
-            <a:round/>
-            <a:headEnd type="none"/>
-            <a:tailEnd type="triangle" w="sm" len="sm"/>
-          </a:ln>
-        </p:spPr>
-        <p:style>
-          <a:lnRef idx="1">
-            <a:schemeClr val="accent1"/>
-          </a:lnRef>
-          <a:fillRef idx="0">
-            <a:schemeClr val="accent1"/>
-          </a:fillRef>
-          <a:effectRef idx="0">
-            <a:schemeClr val="accent1"/>
-          </a:effectRef>
-          <a:fontRef idx="minor">
-            <a:schemeClr val="tx1"/>
-          </a:fontRef>
-        </p:style>
-      </p:cxnSp>
-      <p:cxnSp>
-        <p:nvCxnSpPr>
-          <p:cNvPr id="49" name="Connecteur : en angle 100">
-            <a:extLst>
-              <a:ext uri="{FF2B5EF4-FFF2-40B4-BE49-F238E27FC236}">
-                <a16:creationId xmlns:a16="http://schemas.microsoft.com/office/drawing/2014/main" id="{2D85475C-5DD3-C1E4-4851-C6A1340A0759}"/>
-              </a:ext>
-            </a:extLst>
-          </p:cNvPr>
-          <p:cNvCxnSpPr>
-            <a:cxnSpLocks/>
-            <a:stCxn id="51" idx="3"/>
-            <a:endCxn id="34" idx="1"/>
-          </p:cNvCxnSpPr>
-          <p:nvPr/>
-        </p:nvCxnSpPr>
-        <p:spPr>
-          <a:xfrm>
-            <a:off x="8773437" y="3546439"/>
-            <a:ext cx="561608" cy="122931"/>
-          </a:xfrm>
-          <a:prstGeom prst="bentConnector3">
-            <a:avLst>
-              <a:gd name="adj1" fmla="val 50000"/>
-            </a:avLst>
-          </a:prstGeom>
-          <a:ln w="50800" cap="flat">
-            <a:round/>
-            <a:headEnd type="none"/>
-            <a:tailEnd type="triangle" w="sm" len="sm"/>
-          </a:ln>
-        </p:spPr>
-        <p:style>
-          <a:lnRef idx="1">
-            <a:schemeClr val="accent1"/>
-          </a:lnRef>
-          <a:fillRef idx="0">
-            <a:schemeClr val="accent1"/>
-          </a:fillRef>
-          <a:effectRef idx="0">
-            <a:schemeClr val="accent1"/>
-          </a:effectRef>
-          <a:fontRef idx="minor">
-            <a:schemeClr val="tx1"/>
-          </a:fontRef>
-        </p:style>
-      </p:cxnSp>
       <p:sp>
         <p:nvSpPr>
           <p:cNvPr id="54" name="Rectangle : coins arrondis 9">
@@ -31121,15 +30069,6 @@
 </file>
 
 <file path=customXml/item1.xml><?xml version="1.0" encoding="utf-8"?>
-<?mso-contentType ?>
-<FormTemplates xmlns="http://schemas.microsoft.com/sharepoint/v3/contenttype/forms">
-  <Display>DocumentLibraryForm</Display>
-  <Edit>DocumentLibraryForm</Edit>
-  <New>DocumentLibraryForm</New>
-</FormTemplates>
-</file>
-
-<file path=customXml/item2.xml><?xml version="1.0" encoding="utf-8"?>
 <p:properties xmlns:p="http://schemas.microsoft.com/office/2006/metadata/properties" xmlns:xsi="http://www.w3.org/2001/XMLSchema-instance" xmlns:pc="http://schemas.microsoft.com/office/infopath/2007/PartnerControls">
   <documentManagement>
     <lcf76f155ced4ddcb4097134ff3c332f xmlns="4686bda6-deda-4a53-9ce5-2ab192257292">
@@ -31138,6 +30077,15 @@
     <TaxCatchAll xmlns="718058b2-8753-44ce-95b0-d0067b5629da" xsi:nil="true"/>
   </documentManagement>
 </p:properties>
+</file>
+
+<file path=customXml/item2.xml><?xml version="1.0" encoding="utf-8"?>
+<?mso-contentType ?>
+<FormTemplates xmlns="http://schemas.microsoft.com/sharepoint/v3/contenttype/forms">
+  <Display>DocumentLibraryForm</Display>
+  <Edit>DocumentLibraryForm</Edit>
+  <New>DocumentLibraryForm</New>
+</FormTemplates>
 </file>
 
 <file path=customXml/item3.xml><?xml version="1.0" encoding="utf-8"?>
@@ -31370,20 +30318,20 @@
 </file>
 
 <file path=customXml/itemProps1.xml><?xml version="1.0" encoding="utf-8"?>
-<ds:datastoreItem xmlns:ds="http://schemas.openxmlformats.org/officeDocument/2006/customXml" ds:itemID="{34397568-BCFC-4083-81F0-E6CAD2F36C27}">
-  <ds:schemaRefs>
-    <ds:schemaRef ds:uri="http://schemas.microsoft.com/sharepoint/v3/contenttype/forms"/>
-  </ds:schemaRefs>
-</ds:datastoreItem>
-</file>
-
-<file path=customXml/itemProps2.xml><?xml version="1.0" encoding="utf-8"?>
 <ds:datastoreItem xmlns:ds="http://schemas.openxmlformats.org/officeDocument/2006/customXml" ds:itemID="{04039FE3-5222-47C8-842D-2F3B0E099BAA}">
   <ds:schemaRefs>
     <ds:schemaRef ds:uri="4686bda6-deda-4a53-9ce5-2ab192257292"/>
     <ds:schemaRef ds:uri="718058b2-8753-44ce-95b0-d0067b5629da"/>
     <ds:schemaRef ds:uri="http://schemas.microsoft.com/office/2006/metadata/properties"/>
     <ds:schemaRef ds:uri="http://schemas.microsoft.com/office/infopath/2007/PartnerControls"/>
+  </ds:schemaRefs>
+</ds:datastoreItem>
+</file>
+
+<file path=customXml/itemProps2.xml><?xml version="1.0" encoding="utf-8"?>
+<ds:datastoreItem xmlns:ds="http://schemas.openxmlformats.org/officeDocument/2006/customXml" ds:itemID="{34397568-BCFC-4083-81F0-E6CAD2F36C27}">
+  <ds:schemaRefs>
+    <ds:schemaRef ds:uri="http://schemas.microsoft.com/sharepoint/v3/contenttype/forms"/>
   </ds:schemaRefs>
 </ds:datastoreItem>
 </file>

--- a/_Template/_Base.Pattern.pptx
+++ b/_Template/_Base.Pattern.pptx
@@ -3235,353 +3235,6 @@
     </pc:docChg>
   </pc:docChgLst>
   <pc:docChgLst>
-    <pc:chgData name="Gellenoncourt, Kevin" userId="83ce2c6d-0bd4-4cd9-955e-dd3efc6a7d5a" providerId="ADAL" clId="{A3A60514-9E58-4D9E-99F4-2C9DAB55E9EE}"/>
-    <pc:docChg chg="undo custSel addSld modSld sldOrd modSection">
-      <pc:chgData name="Gellenoncourt, Kevin" userId="83ce2c6d-0bd4-4cd9-955e-dd3efc6a7d5a" providerId="ADAL" clId="{A3A60514-9E58-4D9E-99F4-2C9DAB55E9EE}" dt="2023-04-28T08:07:53.650" v="706"/>
-      <pc:docMkLst>
-        <pc:docMk/>
-      </pc:docMkLst>
-      <pc:sldChg chg="addSp modSp mod">
-        <pc:chgData name="Gellenoncourt, Kevin" userId="83ce2c6d-0bd4-4cd9-955e-dd3efc6a7d5a" providerId="ADAL" clId="{A3A60514-9E58-4D9E-99F4-2C9DAB55E9EE}" dt="2023-04-20T12:39:41.736" v="692" actId="20577"/>
-        <pc:sldMkLst>
-          <pc:docMk/>
-          <pc:sldMk cId="1278860628" sldId="1771"/>
-        </pc:sldMkLst>
-        <pc:spChg chg="add mod">
-          <ac:chgData name="Gellenoncourt, Kevin" userId="83ce2c6d-0bd4-4cd9-955e-dd3efc6a7d5a" providerId="ADAL" clId="{A3A60514-9E58-4D9E-99F4-2C9DAB55E9EE}" dt="2023-04-19T12:35:36.076" v="548" actId="14100"/>
-          <ac:spMkLst>
-            <pc:docMk/>
-            <pc:sldMk cId="1278860628" sldId="1771"/>
-            <ac:spMk id="3" creationId="{B48AAC35-A18D-069C-DDA7-2436D2499FB8}"/>
-          </ac:spMkLst>
-        </pc:spChg>
-        <pc:spChg chg="mod">
-          <ac:chgData name="Gellenoncourt, Kevin" userId="83ce2c6d-0bd4-4cd9-955e-dd3efc6a7d5a" providerId="ADAL" clId="{A3A60514-9E58-4D9E-99F4-2C9DAB55E9EE}" dt="2023-04-20T12:39:41.736" v="692" actId="20577"/>
-          <ac:spMkLst>
-            <pc:docMk/>
-            <pc:sldMk cId="1278860628" sldId="1771"/>
-            <ac:spMk id="18" creationId="{D29CFD93-4DA2-4C5E-8607-CE2A1EFFD801}"/>
-          </ac:spMkLst>
-        </pc:spChg>
-      </pc:sldChg>
-      <pc:sldChg chg="modSp mod">
-        <pc:chgData name="Gellenoncourt, Kevin" userId="83ce2c6d-0bd4-4cd9-955e-dd3efc6a7d5a" providerId="ADAL" clId="{A3A60514-9E58-4D9E-99F4-2C9DAB55E9EE}" dt="2023-04-17T09:48:13.323" v="194" actId="14100"/>
-        <pc:sldMkLst>
-          <pc:docMk/>
-          <pc:sldMk cId="1847149617" sldId="1823"/>
-        </pc:sldMkLst>
-        <pc:spChg chg="mod">
-          <ac:chgData name="Gellenoncourt, Kevin" userId="83ce2c6d-0bd4-4cd9-955e-dd3efc6a7d5a" providerId="ADAL" clId="{A3A60514-9E58-4D9E-99F4-2C9DAB55E9EE}" dt="2023-04-17T09:47:57.162" v="193" actId="14100"/>
-          <ac:spMkLst>
-            <pc:docMk/>
-            <pc:sldMk cId="1847149617" sldId="1823"/>
-            <ac:spMk id="11" creationId="{842C7B8B-D546-5F52-8614-36B5D5B7072A}"/>
-          </ac:spMkLst>
-        </pc:spChg>
-        <pc:spChg chg="mod">
-          <ac:chgData name="Gellenoncourt, Kevin" userId="83ce2c6d-0bd4-4cd9-955e-dd3efc6a7d5a" providerId="ADAL" clId="{A3A60514-9E58-4D9E-99F4-2C9DAB55E9EE}" dt="2023-04-14T15:16:51.501" v="75" actId="20577"/>
-          <ac:spMkLst>
-            <pc:docMk/>
-            <pc:sldMk cId="1847149617" sldId="1823"/>
-            <ac:spMk id="12" creationId="{B104700F-4F00-45C5-9952-8E84D40A9556}"/>
-          </ac:spMkLst>
-        </pc:spChg>
-        <pc:spChg chg="mod">
-          <ac:chgData name="Gellenoncourt, Kevin" userId="83ce2c6d-0bd4-4cd9-955e-dd3efc6a7d5a" providerId="ADAL" clId="{A3A60514-9E58-4D9E-99F4-2C9DAB55E9EE}" dt="2023-04-14T15:15:57.774" v="67" actId="14100"/>
-          <ac:spMkLst>
-            <pc:docMk/>
-            <pc:sldMk cId="1847149617" sldId="1823"/>
-            <ac:spMk id="14" creationId="{417EBD97-910E-B0D6-C155-F9B9D1A40E38}"/>
-          </ac:spMkLst>
-        </pc:spChg>
-        <pc:spChg chg="mod">
-          <ac:chgData name="Gellenoncourt, Kevin" userId="83ce2c6d-0bd4-4cd9-955e-dd3efc6a7d5a" providerId="ADAL" clId="{A3A60514-9E58-4D9E-99F4-2C9DAB55E9EE}" dt="2023-04-17T09:48:13.323" v="194" actId="14100"/>
-          <ac:spMkLst>
-            <pc:docMk/>
-            <pc:sldMk cId="1847149617" sldId="1823"/>
-            <ac:spMk id="27" creationId="{416BE16B-1E8C-48FA-B7AE-7624496931AD}"/>
-          </ac:spMkLst>
-        </pc:spChg>
-      </pc:sldChg>
-      <pc:sldChg chg="modSp mod">
-        <pc:chgData name="Gellenoncourt, Kevin" userId="83ce2c6d-0bd4-4cd9-955e-dd3efc6a7d5a" providerId="ADAL" clId="{A3A60514-9E58-4D9E-99F4-2C9DAB55E9EE}" dt="2023-04-14T15:15:37.539" v="65" actId="13926"/>
-        <pc:sldMkLst>
-          <pc:docMk/>
-          <pc:sldMk cId="2789654304" sldId="1826"/>
-        </pc:sldMkLst>
-        <pc:spChg chg="mod">
-          <ac:chgData name="Gellenoncourt, Kevin" userId="83ce2c6d-0bd4-4cd9-955e-dd3efc6a7d5a" providerId="ADAL" clId="{A3A60514-9E58-4D9E-99F4-2C9DAB55E9EE}" dt="2023-04-14T15:15:37.539" v="65" actId="13926"/>
-          <ac:spMkLst>
-            <pc:docMk/>
-            <pc:sldMk cId="2789654304" sldId="1826"/>
-            <ac:spMk id="10" creationId="{5BEE6695-E1F4-866A-0C79-858782B14051}"/>
-          </ac:spMkLst>
-        </pc:spChg>
-        <pc:spChg chg="mod">
-          <ac:chgData name="Gellenoncourt, Kevin" userId="83ce2c6d-0bd4-4cd9-955e-dd3efc6a7d5a" providerId="ADAL" clId="{A3A60514-9E58-4D9E-99F4-2C9DAB55E9EE}" dt="2023-04-14T15:15:15.353" v="63" actId="14100"/>
-          <ac:spMkLst>
-            <pc:docMk/>
-            <pc:sldMk cId="2789654304" sldId="1826"/>
-            <ac:spMk id="13" creationId="{C083206D-4CC2-5447-AAAA-BD90521B11AA}"/>
-          </ac:spMkLst>
-        </pc:spChg>
-        <pc:spChg chg="mod">
-          <ac:chgData name="Gellenoncourt, Kevin" userId="83ce2c6d-0bd4-4cd9-955e-dd3efc6a7d5a" providerId="ADAL" clId="{A3A60514-9E58-4D9E-99F4-2C9DAB55E9EE}" dt="2023-04-14T15:14:51.233" v="54" actId="1036"/>
-          <ac:spMkLst>
-            <pc:docMk/>
-            <pc:sldMk cId="2789654304" sldId="1826"/>
-            <ac:spMk id="14" creationId="{FAD498DE-6D7E-4853-FCE8-768C1D49C1F6}"/>
-          </ac:spMkLst>
-        </pc:spChg>
-        <pc:spChg chg="mod">
-          <ac:chgData name="Gellenoncourt, Kevin" userId="83ce2c6d-0bd4-4cd9-955e-dd3efc6a7d5a" providerId="ADAL" clId="{A3A60514-9E58-4D9E-99F4-2C9DAB55E9EE}" dt="2023-04-14T15:14:37.857" v="50" actId="20577"/>
-          <ac:spMkLst>
-            <pc:docMk/>
-            <pc:sldMk cId="2789654304" sldId="1826"/>
-            <ac:spMk id="19" creationId="{1F95986F-431B-E99B-9C26-4159CCAC4D58}"/>
-          </ac:spMkLst>
-        </pc:spChg>
-        <pc:spChg chg="mod">
-          <ac:chgData name="Gellenoncourt, Kevin" userId="83ce2c6d-0bd4-4cd9-955e-dd3efc6a7d5a" providerId="ADAL" clId="{A3A60514-9E58-4D9E-99F4-2C9DAB55E9EE}" dt="2023-04-14T15:15:27.401" v="64" actId="20577"/>
-          <ac:spMkLst>
-            <pc:docMk/>
-            <pc:sldMk cId="2789654304" sldId="1826"/>
-            <ac:spMk id="20" creationId="{B547579E-0297-7065-3C2B-B32E8777C39F}"/>
-          </ac:spMkLst>
-        </pc:spChg>
-      </pc:sldChg>
-      <pc:sldChg chg="delSp modSp mod modCm">
-        <pc:chgData name="Gellenoncourt, Kevin" userId="83ce2c6d-0bd4-4cd9-955e-dd3efc6a7d5a" providerId="ADAL" clId="{A3A60514-9E58-4D9E-99F4-2C9DAB55E9EE}" dt="2023-04-28T08:07:18.472" v="702" actId="20577"/>
-        <pc:sldMkLst>
-          <pc:docMk/>
-          <pc:sldMk cId="394559105" sldId="1828"/>
-        </pc:sldMkLst>
-        <pc:spChg chg="mod">
-          <ac:chgData name="Gellenoncourt, Kevin" userId="83ce2c6d-0bd4-4cd9-955e-dd3efc6a7d5a" providerId="ADAL" clId="{A3A60514-9E58-4D9E-99F4-2C9DAB55E9EE}" dt="2023-04-28T08:07:18.472" v="702" actId="20577"/>
-          <ac:spMkLst>
-            <pc:docMk/>
-            <pc:sldMk cId="394559105" sldId="1828"/>
-            <ac:spMk id="2" creationId="{81B4020D-2DE6-4B6C-822C-676A9E68ECFA}"/>
-          </ac:spMkLst>
-        </pc:spChg>
-        <pc:spChg chg="mod">
-          <ac:chgData name="Gellenoncourt, Kevin" userId="83ce2c6d-0bd4-4cd9-955e-dd3efc6a7d5a" providerId="ADAL" clId="{A3A60514-9E58-4D9E-99F4-2C9DAB55E9EE}" dt="2023-04-13T12:14:55.972" v="37" actId="14100"/>
-          <ac:spMkLst>
-            <pc:docMk/>
-            <pc:sldMk cId="394559105" sldId="1828"/>
-            <ac:spMk id="4" creationId="{A0E49883-BD02-0EF4-758D-0FF455BDA027}"/>
-          </ac:spMkLst>
-        </pc:spChg>
-        <pc:spChg chg="mod">
-          <ac:chgData name="Gellenoncourt, Kevin" userId="83ce2c6d-0bd4-4cd9-955e-dd3efc6a7d5a" providerId="ADAL" clId="{A3A60514-9E58-4D9E-99F4-2C9DAB55E9EE}" dt="2023-04-14T15:12:37.127" v="38" actId="20577"/>
-          <ac:spMkLst>
-            <pc:docMk/>
-            <pc:sldMk cId="394559105" sldId="1828"/>
-            <ac:spMk id="9" creationId="{77C3B844-E6D7-3624-1D88-491DC7FBE73F}"/>
-          </ac:spMkLst>
-        </pc:spChg>
-        <pc:spChg chg="mod">
-          <ac:chgData name="Gellenoncourt, Kevin" userId="83ce2c6d-0bd4-4cd9-955e-dd3efc6a7d5a" providerId="ADAL" clId="{A3A60514-9E58-4D9E-99F4-2C9DAB55E9EE}" dt="2023-04-13T12:14:45.162" v="21" actId="14100"/>
-          <ac:spMkLst>
-            <pc:docMk/>
-            <pc:sldMk cId="394559105" sldId="1828"/>
-            <ac:spMk id="11" creationId="{41A27570-4EE7-B3BA-F6CB-2BF7908DDCBF}"/>
-          </ac:spMkLst>
-        </pc:spChg>
-        <pc:spChg chg="mod">
-          <ac:chgData name="Gellenoncourt, Kevin" userId="83ce2c6d-0bd4-4cd9-955e-dd3efc6a7d5a" providerId="ADAL" clId="{A3A60514-9E58-4D9E-99F4-2C9DAB55E9EE}" dt="2023-04-13T12:14:51.807" v="35" actId="1035"/>
-          <ac:spMkLst>
-            <pc:docMk/>
-            <pc:sldMk cId="394559105" sldId="1828"/>
-            <ac:spMk id="15" creationId="{9D7E702D-19C2-2F3F-70B5-73F6CC7B90B0}"/>
-          </ac:spMkLst>
-        </pc:spChg>
-        <pc:spChg chg="mod">
-          <ac:chgData name="Gellenoncourt, Kevin" userId="83ce2c6d-0bd4-4cd9-955e-dd3efc6a7d5a" providerId="ADAL" clId="{A3A60514-9E58-4D9E-99F4-2C9DAB55E9EE}" dt="2023-04-13T12:14:53.671" v="36" actId="14100"/>
-          <ac:spMkLst>
-            <pc:docMk/>
-            <pc:sldMk cId="394559105" sldId="1828"/>
-            <ac:spMk id="16" creationId="{193E23CE-10D3-6AF3-8769-9A0DD9180317}"/>
-          </ac:spMkLst>
-        </pc:spChg>
-        <pc:spChg chg="mod">
-          <ac:chgData name="Gellenoncourt, Kevin" userId="83ce2c6d-0bd4-4cd9-955e-dd3efc6a7d5a" providerId="ADAL" clId="{A3A60514-9E58-4D9E-99F4-2C9DAB55E9EE}" dt="2023-04-17T09:49:12.005" v="238" actId="14100"/>
-          <ac:spMkLst>
-            <pc:docMk/>
-            <pc:sldMk cId="394559105" sldId="1828"/>
-            <ac:spMk id="23" creationId="{D45C1964-3199-AEA8-A302-B7CC89E83D1C}"/>
-          </ac:spMkLst>
-        </pc:spChg>
-        <pc:spChg chg="del mod">
-          <ac:chgData name="Gellenoncourt, Kevin" userId="83ce2c6d-0bd4-4cd9-955e-dd3efc6a7d5a" providerId="ADAL" clId="{A3A60514-9E58-4D9E-99F4-2C9DAB55E9EE}" dt="2023-04-17T09:49:08.618" v="237" actId="21"/>
-          <ac:spMkLst>
-            <pc:docMk/>
-            <pc:sldMk cId="394559105" sldId="1828"/>
-            <ac:spMk id="25" creationId="{1F44828C-2473-8027-6E16-DD3C9C323280}"/>
-          </ac:spMkLst>
-        </pc:spChg>
-      </pc:sldChg>
-      <pc:sldChg chg="addSp modSp mod ord">
-        <pc:chgData name="Gellenoncourt, Kevin" userId="83ce2c6d-0bd4-4cd9-955e-dd3efc6a7d5a" providerId="ADAL" clId="{A3A60514-9E58-4D9E-99F4-2C9DAB55E9EE}" dt="2023-04-28T08:07:29.764" v="704"/>
-        <pc:sldMkLst>
-          <pc:docMk/>
-          <pc:sldMk cId="1931217021" sldId="1830"/>
-        </pc:sldMkLst>
-        <pc:spChg chg="mod">
-          <ac:chgData name="Gellenoncourt, Kevin" userId="83ce2c6d-0bd4-4cd9-955e-dd3efc6a7d5a" providerId="ADAL" clId="{A3A60514-9E58-4D9E-99F4-2C9DAB55E9EE}" dt="2023-04-20T08:30:01.275" v="573" actId="20577"/>
-          <ac:spMkLst>
-            <pc:docMk/>
-            <pc:sldMk cId="1931217021" sldId="1830"/>
-            <ac:spMk id="3" creationId="{968DACCB-6332-4C26-39F2-2D374711D2B0}"/>
-          </ac:spMkLst>
-        </pc:spChg>
-        <pc:spChg chg="add mod">
-          <ac:chgData name="Gellenoncourt, Kevin" userId="83ce2c6d-0bd4-4cd9-955e-dd3efc6a7d5a" providerId="ADAL" clId="{A3A60514-9E58-4D9E-99F4-2C9DAB55E9EE}" dt="2023-04-20T08:30:58.508" v="610" actId="14100"/>
-          <ac:spMkLst>
-            <pc:docMk/>
-            <pc:sldMk cId="1931217021" sldId="1830"/>
-            <ac:spMk id="5" creationId="{70270940-53A9-A871-FF5F-3D0FED83C951}"/>
-          </ac:spMkLst>
-        </pc:spChg>
-      </pc:sldChg>
-      <pc:sldChg chg="addSp delSp modSp add mod ord delCm modCm">
-        <pc:chgData name="Gellenoncourt, Kevin" userId="83ce2c6d-0bd4-4cd9-955e-dd3efc6a7d5a" providerId="ADAL" clId="{A3A60514-9E58-4D9E-99F4-2C9DAB55E9EE}" dt="2023-04-28T08:07:53.650" v="706"/>
-        <pc:sldMkLst>
-          <pc:docMk/>
-          <pc:sldMk cId="3334357831" sldId="1831"/>
-        </pc:sldMkLst>
-        <pc:spChg chg="mod">
-          <ac:chgData name="Gellenoncourt, Kevin" userId="83ce2c6d-0bd4-4cd9-955e-dd3efc6a7d5a" providerId="ADAL" clId="{A3A60514-9E58-4D9E-99F4-2C9DAB55E9EE}" dt="2023-04-18T16:05:25.425" v="420" actId="20577"/>
-          <ac:spMkLst>
-            <pc:docMk/>
-            <pc:sldMk cId="3334357831" sldId="1831"/>
-            <ac:spMk id="3" creationId="{C3167168-4490-6A90-9CBD-B650CA1D9D85}"/>
-          </ac:spMkLst>
-        </pc:spChg>
-        <pc:spChg chg="mod">
-          <ac:chgData name="Gellenoncourt, Kevin" userId="83ce2c6d-0bd4-4cd9-955e-dd3efc6a7d5a" providerId="ADAL" clId="{A3A60514-9E58-4D9E-99F4-2C9DAB55E9EE}" dt="2023-04-17T09:48:50.093" v="236" actId="20577"/>
-          <ac:spMkLst>
-            <pc:docMk/>
-            <pc:sldMk cId="3334357831" sldId="1831"/>
-            <ac:spMk id="7" creationId="{F13AB203-EAC6-E49A-83BD-3061EAD28268}"/>
-          </ac:spMkLst>
-        </pc:spChg>
-        <pc:spChg chg="add mod">
-          <ac:chgData name="Gellenoncourt, Kevin" userId="83ce2c6d-0bd4-4cd9-955e-dd3efc6a7d5a" providerId="ADAL" clId="{A3A60514-9E58-4D9E-99F4-2C9DAB55E9EE}" dt="2023-04-18T16:04:37.975" v="395" actId="14100"/>
-          <ac:spMkLst>
-            <pc:docMk/>
-            <pc:sldMk cId="3334357831" sldId="1831"/>
-            <ac:spMk id="10" creationId="{2825B4BF-40B3-9FBF-C859-DA93D2777B60}"/>
-          </ac:spMkLst>
-        </pc:spChg>
-        <pc:spChg chg="mod">
-          <ac:chgData name="Gellenoncourt, Kevin" userId="83ce2c6d-0bd4-4cd9-955e-dd3efc6a7d5a" providerId="ADAL" clId="{A3A60514-9E58-4D9E-99F4-2C9DAB55E9EE}" dt="2023-04-18T16:05:36.979" v="436" actId="20577"/>
-          <ac:spMkLst>
-            <pc:docMk/>
-            <pc:sldMk cId="3334357831" sldId="1831"/>
-            <ac:spMk id="11" creationId="{842C7B8B-D546-5F52-8614-36B5D5B7072A}"/>
-          </ac:spMkLst>
-        </pc:spChg>
-        <pc:spChg chg="mod">
-          <ac:chgData name="Gellenoncourt, Kevin" userId="83ce2c6d-0bd4-4cd9-955e-dd3efc6a7d5a" providerId="ADAL" clId="{A3A60514-9E58-4D9E-99F4-2C9DAB55E9EE}" dt="2023-04-17T09:46:44.785" v="160" actId="14100"/>
-          <ac:spMkLst>
-            <pc:docMk/>
-            <pc:sldMk cId="3334357831" sldId="1831"/>
-            <ac:spMk id="12" creationId="{B104700F-4F00-45C5-9952-8E84D40A9556}"/>
-          </ac:spMkLst>
-        </pc:spChg>
-        <pc:spChg chg="add mod">
-          <ac:chgData name="Gellenoncourt, Kevin" userId="83ce2c6d-0bd4-4cd9-955e-dd3efc6a7d5a" providerId="ADAL" clId="{A3A60514-9E58-4D9E-99F4-2C9DAB55E9EE}" dt="2023-04-18T16:04:50.715" v="400" actId="14100"/>
-          <ac:spMkLst>
-            <pc:docMk/>
-            <pc:sldMk cId="3334357831" sldId="1831"/>
-            <ac:spMk id="13" creationId="{7BDA3FE1-028D-4F92-3CCF-B587021596BC}"/>
-          </ac:spMkLst>
-        </pc:spChg>
-        <pc:spChg chg="mod">
-          <ac:chgData name="Gellenoncourt, Kevin" userId="83ce2c6d-0bd4-4cd9-955e-dd3efc6a7d5a" providerId="ADAL" clId="{A3A60514-9E58-4D9E-99F4-2C9DAB55E9EE}" dt="2023-04-18T16:01:27.465" v="308" actId="20577"/>
-          <ac:spMkLst>
-            <pc:docMk/>
-            <pc:sldMk cId="3334357831" sldId="1831"/>
-            <ac:spMk id="14" creationId="{417EBD97-910E-B0D6-C155-F9B9D1A40E38}"/>
-          </ac:spMkLst>
-        </pc:spChg>
-        <pc:spChg chg="mod">
-          <ac:chgData name="Gellenoncourt, Kevin" userId="83ce2c6d-0bd4-4cd9-955e-dd3efc6a7d5a" providerId="ADAL" clId="{A3A60514-9E58-4D9E-99F4-2C9DAB55E9EE}" dt="2023-04-18T16:05:05.593" v="404" actId="20577"/>
-          <ac:spMkLst>
-            <pc:docMk/>
-            <pc:sldMk cId="3334357831" sldId="1831"/>
-            <ac:spMk id="15" creationId="{C7C48C59-B55F-8595-05E0-5A4B5D311AD4}"/>
-          </ac:spMkLst>
-        </pc:spChg>
-        <pc:spChg chg="add mod">
-          <ac:chgData name="Gellenoncourt, Kevin" userId="83ce2c6d-0bd4-4cd9-955e-dd3efc6a7d5a" providerId="ADAL" clId="{A3A60514-9E58-4D9E-99F4-2C9DAB55E9EE}" dt="2023-04-18T07:45:25.921" v="301" actId="3626"/>
-          <ac:spMkLst>
-            <pc:docMk/>
-            <pc:sldMk cId="3334357831" sldId="1831"/>
-            <ac:spMk id="16" creationId="{81C3B5F2-BA6E-CA36-C55C-CF4E663B99D6}"/>
-          </ac:spMkLst>
-        </pc:spChg>
-        <pc:spChg chg="add mod">
-          <ac:chgData name="Gellenoncourt, Kevin" userId="83ce2c6d-0bd4-4cd9-955e-dd3efc6a7d5a" providerId="ADAL" clId="{A3A60514-9E58-4D9E-99F4-2C9DAB55E9EE}" dt="2023-04-18T16:04:17.494" v="388" actId="1076"/>
-          <ac:spMkLst>
-            <pc:docMk/>
-            <pc:sldMk cId="3334357831" sldId="1831"/>
-            <ac:spMk id="17" creationId="{62072801-7EBE-BFDE-4B12-69A8A9B2A3BF}"/>
-          </ac:spMkLst>
-        </pc:spChg>
-        <pc:spChg chg="add mod">
-          <ac:chgData name="Gellenoncourt, Kevin" userId="83ce2c6d-0bd4-4cd9-955e-dd3efc6a7d5a" providerId="ADAL" clId="{A3A60514-9E58-4D9E-99F4-2C9DAB55E9EE}" dt="2023-04-18T16:04:31.819" v="394" actId="14100"/>
-          <ac:spMkLst>
-            <pc:docMk/>
-            <pc:sldMk cId="3334357831" sldId="1831"/>
-            <ac:spMk id="18" creationId="{12AF2180-CD55-EF16-53B3-15E6809EC565}"/>
-          </ac:spMkLst>
-        </pc:spChg>
-        <pc:spChg chg="del">
-          <ac:chgData name="Gellenoncourt, Kevin" userId="83ce2c6d-0bd4-4cd9-955e-dd3efc6a7d5a" providerId="ADAL" clId="{A3A60514-9E58-4D9E-99F4-2C9DAB55E9EE}" dt="2023-04-17T09:46:36.095" v="158" actId="478"/>
-          <ac:spMkLst>
-            <pc:docMk/>
-            <pc:sldMk cId="3334357831" sldId="1831"/>
-            <ac:spMk id="21" creationId="{7B90F373-D3ED-4A5A-81DD-11B4B5E645DB}"/>
-          </ac:spMkLst>
-        </pc:spChg>
-        <pc:spChg chg="mod">
-          <ac:chgData name="Gellenoncourt, Kevin" userId="83ce2c6d-0bd4-4cd9-955e-dd3efc6a7d5a" providerId="ADAL" clId="{A3A60514-9E58-4D9E-99F4-2C9DAB55E9EE}" dt="2023-04-18T16:02:45.718" v="344" actId="14100"/>
-          <ac:spMkLst>
-            <pc:docMk/>
-            <pc:sldMk cId="3334357831" sldId="1831"/>
-            <ac:spMk id="27" creationId="{416BE16B-1E8C-48FA-B7AE-7624496931AD}"/>
-          </ac:spMkLst>
-        </pc:spChg>
-      </pc:sldChg>
-    </pc:docChg>
-  </pc:docChgLst>
-  <pc:docChgLst>
-    <pc:chgData name="Gellenoncourt, Kevin" userId="S::kevin.gellenoncourt@baloise.lu::83ce2c6d-0bd4-4cd9-955e-dd3efc6a7d5a" providerId="AD" clId="Web-{D2663519-9D01-FDB8-251D-BAF415C6E9C5}"/>
-    <pc:docChg chg="modSld">
-      <pc:chgData name="Gellenoncourt, Kevin" userId="S::kevin.gellenoncourt@baloise.lu::83ce2c6d-0bd4-4cd9-955e-dd3efc6a7d5a" providerId="AD" clId="Web-{D2663519-9D01-FDB8-251D-BAF415C6E9C5}" dt="2022-12-08T15:22:13.238" v="139"/>
-      <pc:docMkLst>
-        <pc:docMk/>
-      </pc:docMkLst>
-      <pc:sldChg chg="modSp">
-        <pc:chgData name="Gellenoncourt, Kevin" userId="S::kevin.gellenoncourt@baloise.lu::83ce2c6d-0bd4-4cd9-955e-dd3efc6a7d5a" providerId="AD" clId="Web-{D2663519-9D01-FDB8-251D-BAF415C6E9C5}" dt="2022-12-08T15:22:13.238" v="139"/>
-        <pc:sldMkLst>
-          <pc:docMk/>
-          <pc:sldMk cId="2268762651" sldId="1802"/>
-        </pc:sldMkLst>
-        <pc:graphicFrameChg chg="mod modGraphic">
-          <ac:chgData name="Gellenoncourt, Kevin" userId="S::kevin.gellenoncourt@baloise.lu::83ce2c6d-0bd4-4cd9-955e-dd3efc6a7d5a" providerId="AD" clId="Web-{D2663519-9D01-FDB8-251D-BAF415C6E9C5}" dt="2022-12-08T15:22:13.238" v="139"/>
-          <ac:graphicFrameMkLst>
-            <pc:docMk/>
-            <pc:sldMk cId="2268762651" sldId="1802"/>
-            <ac:graphicFrameMk id="7" creationId="{E8DCD3DC-67BD-4479-85F9-70E2CF8D4037}"/>
-          </ac:graphicFrameMkLst>
-        </pc:graphicFrameChg>
-      </pc:sldChg>
-    </pc:docChg>
-  </pc:docChgLst>
-  <pc:docChgLst>
     <pc:chgData name="Gellenoncourt, Kevin" userId="83ce2c6d-0bd4-4cd9-955e-dd3efc6a7d5a" providerId="ADAL" clId="{C9839D59-2972-4323-A767-4B90EFEABC06}"/>
     <pc:docChg chg="undo redo custSel addSld delSld modSld sldOrd modMainMaster addSection delSection modSection">
       <pc:chgData name="Gellenoncourt, Kevin" userId="83ce2c6d-0bd4-4cd9-955e-dd3efc6a7d5a" providerId="ADAL" clId="{C9839D59-2972-4323-A767-4B90EFEABC06}" dt="2023-02-13T08:21:11.424" v="54716" actId="1076"/>
@@ -14478,6 +14131,353 @@
           </pc:spChg>
         </pc:sldLayoutChg>
       </pc:sldMasterChg>
+    </pc:docChg>
+  </pc:docChgLst>
+  <pc:docChgLst>
+    <pc:chgData name="Gellenoncourt, Kevin" userId="S::kevin.gellenoncourt@baloise.lu::83ce2c6d-0bd4-4cd9-955e-dd3efc6a7d5a" providerId="AD" clId="Web-{D2663519-9D01-FDB8-251D-BAF415C6E9C5}"/>
+    <pc:docChg chg="modSld">
+      <pc:chgData name="Gellenoncourt, Kevin" userId="S::kevin.gellenoncourt@baloise.lu::83ce2c6d-0bd4-4cd9-955e-dd3efc6a7d5a" providerId="AD" clId="Web-{D2663519-9D01-FDB8-251D-BAF415C6E9C5}" dt="2022-12-08T15:22:13.238" v="139"/>
+      <pc:docMkLst>
+        <pc:docMk/>
+      </pc:docMkLst>
+      <pc:sldChg chg="modSp">
+        <pc:chgData name="Gellenoncourt, Kevin" userId="S::kevin.gellenoncourt@baloise.lu::83ce2c6d-0bd4-4cd9-955e-dd3efc6a7d5a" providerId="AD" clId="Web-{D2663519-9D01-FDB8-251D-BAF415C6E9C5}" dt="2022-12-08T15:22:13.238" v="139"/>
+        <pc:sldMkLst>
+          <pc:docMk/>
+          <pc:sldMk cId="2268762651" sldId="1802"/>
+        </pc:sldMkLst>
+        <pc:graphicFrameChg chg="mod modGraphic">
+          <ac:chgData name="Gellenoncourt, Kevin" userId="S::kevin.gellenoncourt@baloise.lu::83ce2c6d-0bd4-4cd9-955e-dd3efc6a7d5a" providerId="AD" clId="Web-{D2663519-9D01-FDB8-251D-BAF415C6E9C5}" dt="2022-12-08T15:22:13.238" v="139"/>
+          <ac:graphicFrameMkLst>
+            <pc:docMk/>
+            <pc:sldMk cId="2268762651" sldId="1802"/>
+            <ac:graphicFrameMk id="7" creationId="{E8DCD3DC-67BD-4479-85F9-70E2CF8D4037}"/>
+          </ac:graphicFrameMkLst>
+        </pc:graphicFrameChg>
+      </pc:sldChg>
+    </pc:docChg>
+  </pc:docChgLst>
+  <pc:docChgLst>
+    <pc:chgData name="Gellenoncourt, Kevin" userId="83ce2c6d-0bd4-4cd9-955e-dd3efc6a7d5a" providerId="ADAL" clId="{A3A60514-9E58-4D9E-99F4-2C9DAB55E9EE}"/>
+    <pc:docChg chg="undo custSel addSld modSld sldOrd modSection">
+      <pc:chgData name="Gellenoncourt, Kevin" userId="83ce2c6d-0bd4-4cd9-955e-dd3efc6a7d5a" providerId="ADAL" clId="{A3A60514-9E58-4D9E-99F4-2C9DAB55E9EE}" dt="2023-04-28T08:07:53.650" v="706"/>
+      <pc:docMkLst>
+        <pc:docMk/>
+      </pc:docMkLst>
+      <pc:sldChg chg="addSp modSp mod">
+        <pc:chgData name="Gellenoncourt, Kevin" userId="83ce2c6d-0bd4-4cd9-955e-dd3efc6a7d5a" providerId="ADAL" clId="{A3A60514-9E58-4D9E-99F4-2C9DAB55E9EE}" dt="2023-04-20T12:39:41.736" v="692" actId="20577"/>
+        <pc:sldMkLst>
+          <pc:docMk/>
+          <pc:sldMk cId="1278860628" sldId="1771"/>
+        </pc:sldMkLst>
+        <pc:spChg chg="add mod">
+          <ac:chgData name="Gellenoncourt, Kevin" userId="83ce2c6d-0bd4-4cd9-955e-dd3efc6a7d5a" providerId="ADAL" clId="{A3A60514-9E58-4D9E-99F4-2C9DAB55E9EE}" dt="2023-04-19T12:35:36.076" v="548" actId="14100"/>
+          <ac:spMkLst>
+            <pc:docMk/>
+            <pc:sldMk cId="1278860628" sldId="1771"/>
+            <ac:spMk id="3" creationId="{B48AAC35-A18D-069C-DDA7-2436D2499FB8}"/>
+          </ac:spMkLst>
+        </pc:spChg>
+        <pc:spChg chg="mod">
+          <ac:chgData name="Gellenoncourt, Kevin" userId="83ce2c6d-0bd4-4cd9-955e-dd3efc6a7d5a" providerId="ADAL" clId="{A3A60514-9E58-4D9E-99F4-2C9DAB55E9EE}" dt="2023-04-20T12:39:41.736" v="692" actId="20577"/>
+          <ac:spMkLst>
+            <pc:docMk/>
+            <pc:sldMk cId="1278860628" sldId="1771"/>
+            <ac:spMk id="18" creationId="{D29CFD93-4DA2-4C5E-8607-CE2A1EFFD801}"/>
+          </ac:spMkLst>
+        </pc:spChg>
+      </pc:sldChg>
+      <pc:sldChg chg="modSp mod">
+        <pc:chgData name="Gellenoncourt, Kevin" userId="83ce2c6d-0bd4-4cd9-955e-dd3efc6a7d5a" providerId="ADAL" clId="{A3A60514-9E58-4D9E-99F4-2C9DAB55E9EE}" dt="2023-04-17T09:48:13.323" v="194" actId="14100"/>
+        <pc:sldMkLst>
+          <pc:docMk/>
+          <pc:sldMk cId="1847149617" sldId="1823"/>
+        </pc:sldMkLst>
+        <pc:spChg chg="mod">
+          <ac:chgData name="Gellenoncourt, Kevin" userId="83ce2c6d-0bd4-4cd9-955e-dd3efc6a7d5a" providerId="ADAL" clId="{A3A60514-9E58-4D9E-99F4-2C9DAB55E9EE}" dt="2023-04-17T09:47:57.162" v="193" actId="14100"/>
+          <ac:spMkLst>
+            <pc:docMk/>
+            <pc:sldMk cId="1847149617" sldId="1823"/>
+            <ac:spMk id="11" creationId="{842C7B8B-D546-5F52-8614-36B5D5B7072A}"/>
+          </ac:spMkLst>
+        </pc:spChg>
+        <pc:spChg chg="mod">
+          <ac:chgData name="Gellenoncourt, Kevin" userId="83ce2c6d-0bd4-4cd9-955e-dd3efc6a7d5a" providerId="ADAL" clId="{A3A60514-9E58-4D9E-99F4-2C9DAB55E9EE}" dt="2023-04-14T15:16:51.501" v="75" actId="20577"/>
+          <ac:spMkLst>
+            <pc:docMk/>
+            <pc:sldMk cId="1847149617" sldId="1823"/>
+            <ac:spMk id="12" creationId="{B104700F-4F00-45C5-9952-8E84D40A9556}"/>
+          </ac:spMkLst>
+        </pc:spChg>
+        <pc:spChg chg="mod">
+          <ac:chgData name="Gellenoncourt, Kevin" userId="83ce2c6d-0bd4-4cd9-955e-dd3efc6a7d5a" providerId="ADAL" clId="{A3A60514-9E58-4D9E-99F4-2C9DAB55E9EE}" dt="2023-04-14T15:15:57.774" v="67" actId="14100"/>
+          <ac:spMkLst>
+            <pc:docMk/>
+            <pc:sldMk cId="1847149617" sldId="1823"/>
+            <ac:spMk id="14" creationId="{417EBD97-910E-B0D6-C155-F9B9D1A40E38}"/>
+          </ac:spMkLst>
+        </pc:spChg>
+        <pc:spChg chg="mod">
+          <ac:chgData name="Gellenoncourt, Kevin" userId="83ce2c6d-0bd4-4cd9-955e-dd3efc6a7d5a" providerId="ADAL" clId="{A3A60514-9E58-4D9E-99F4-2C9DAB55E9EE}" dt="2023-04-17T09:48:13.323" v="194" actId="14100"/>
+          <ac:spMkLst>
+            <pc:docMk/>
+            <pc:sldMk cId="1847149617" sldId="1823"/>
+            <ac:spMk id="27" creationId="{416BE16B-1E8C-48FA-B7AE-7624496931AD}"/>
+          </ac:spMkLst>
+        </pc:spChg>
+      </pc:sldChg>
+      <pc:sldChg chg="modSp mod">
+        <pc:chgData name="Gellenoncourt, Kevin" userId="83ce2c6d-0bd4-4cd9-955e-dd3efc6a7d5a" providerId="ADAL" clId="{A3A60514-9E58-4D9E-99F4-2C9DAB55E9EE}" dt="2023-04-14T15:15:37.539" v="65" actId="13926"/>
+        <pc:sldMkLst>
+          <pc:docMk/>
+          <pc:sldMk cId="2789654304" sldId="1826"/>
+        </pc:sldMkLst>
+        <pc:spChg chg="mod">
+          <ac:chgData name="Gellenoncourt, Kevin" userId="83ce2c6d-0bd4-4cd9-955e-dd3efc6a7d5a" providerId="ADAL" clId="{A3A60514-9E58-4D9E-99F4-2C9DAB55E9EE}" dt="2023-04-14T15:15:37.539" v="65" actId="13926"/>
+          <ac:spMkLst>
+            <pc:docMk/>
+            <pc:sldMk cId="2789654304" sldId="1826"/>
+            <ac:spMk id="10" creationId="{5BEE6695-E1F4-866A-0C79-858782B14051}"/>
+          </ac:spMkLst>
+        </pc:spChg>
+        <pc:spChg chg="mod">
+          <ac:chgData name="Gellenoncourt, Kevin" userId="83ce2c6d-0bd4-4cd9-955e-dd3efc6a7d5a" providerId="ADAL" clId="{A3A60514-9E58-4D9E-99F4-2C9DAB55E9EE}" dt="2023-04-14T15:15:15.353" v="63" actId="14100"/>
+          <ac:spMkLst>
+            <pc:docMk/>
+            <pc:sldMk cId="2789654304" sldId="1826"/>
+            <ac:spMk id="13" creationId="{C083206D-4CC2-5447-AAAA-BD90521B11AA}"/>
+          </ac:spMkLst>
+        </pc:spChg>
+        <pc:spChg chg="mod">
+          <ac:chgData name="Gellenoncourt, Kevin" userId="83ce2c6d-0bd4-4cd9-955e-dd3efc6a7d5a" providerId="ADAL" clId="{A3A60514-9E58-4D9E-99F4-2C9DAB55E9EE}" dt="2023-04-14T15:14:51.233" v="54" actId="1036"/>
+          <ac:spMkLst>
+            <pc:docMk/>
+            <pc:sldMk cId="2789654304" sldId="1826"/>
+            <ac:spMk id="14" creationId="{FAD498DE-6D7E-4853-FCE8-768C1D49C1F6}"/>
+          </ac:spMkLst>
+        </pc:spChg>
+        <pc:spChg chg="mod">
+          <ac:chgData name="Gellenoncourt, Kevin" userId="83ce2c6d-0bd4-4cd9-955e-dd3efc6a7d5a" providerId="ADAL" clId="{A3A60514-9E58-4D9E-99F4-2C9DAB55E9EE}" dt="2023-04-14T15:14:37.857" v="50" actId="20577"/>
+          <ac:spMkLst>
+            <pc:docMk/>
+            <pc:sldMk cId="2789654304" sldId="1826"/>
+            <ac:spMk id="19" creationId="{1F95986F-431B-E99B-9C26-4159CCAC4D58}"/>
+          </ac:spMkLst>
+        </pc:spChg>
+        <pc:spChg chg="mod">
+          <ac:chgData name="Gellenoncourt, Kevin" userId="83ce2c6d-0bd4-4cd9-955e-dd3efc6a7d5a" providerId="ADAL" clId="{A3A60514-9E58-4D9E-99F4-2C9DAB55E9EE}" dt="2023-04-14T15:15:27.401" v="64" actId="20577"/>
+          <ac:spMkLst>
+            <pc:docMk/>
+            <pc:sldMk cId="2789654304" sldId="1826"/>
+            <ac:spMk id="20" creationId="{B547579E-0297-7065-3C2B-B32E8777C39F}"/>
+          </ac:spMkLst>
+        </pc:spChg>
+      </pc:sldChg>
+      <pc:sldChg chg="delSp modSp mod modCm">
+        <pc:chgData name="Gellenoncourt, Kevin" userId="83ce2c6d-0bd4-4cd9-955e-dd3efc6a7d5a" providerId="ADAL" clId="{A3A60514-9E58-4D9E-99F4-2C9DAB55E9EE}" dt="2023-04-28T08:07:18.472" v="702" actId="20577"/>
+        <pc:sldMkLst>
+          <pc:docMk/>
+          <pc:sldMk cId="394559105" sldId="1828"/>
+        </pc:sldMkLst>
+        <pc:spChg chg="mod">
+          <ac:chgData name="Gellenoncourt, Kevin" userId="83ce2c6d-0bd4-4cd9-955e-dd3efc6a7d5a" providerId="ADAL" clId="{A3A60514-9E58-4D9E-99F4-2C9DAB55E9EE}" dt="2023-04-28T08:07:18.472" v="702" actId="20577"/>
+          <ac:spMkLst>
+            <pc:docMk/>
+            <pc:sldMk cId="394559105" sldId="1828"/>
+            <ac:spMk id="2" creationId="{81B4020D-2DE6-4B6C-822C-676A9E68ECFA}"/>
+          </ac:spMkLst>
+        </pc:spChg>
+        <pc:spChg chg="mod">
+          <ac:chgData name="Gellenoncourt, Kevin" userId="83ce2c6d-0bd4-4cd9-955e-dd3efc6a7d5a" providerId="ADAL" clId="{A3A60514-9E58-4D9E-99F4-2C9DAB55E9EE}" dt="2023-04-13T12:14:55.972" v="37" actId="14100"/>
+          <ac:spMkLst>
+            <pc:docMk/>
+            <pc:sldMk cId="394559105" sldId="1828"/>
+            <ac:spMk id="4" creationId="{A0E49883-BD02-0EF4-758D-0FF455BDA027}"/>
+          </ac:spMkLst>
+        </pc:spChg>
+        <pc:spChg chg="mod">
+          <ac:chgData name="Gellenoncourt, Kevin" userId="83ce2c6d-0bd4-4cd9-955e-dd3efc6a7d5a" providerId="ADAL" clId="{A3A60514-9E58-4D9E-99F4-2C9DAB55E9EE}" dt="2023-04-14T15:12:37.127" v="38" actId="20577"/>
+          <ac:spMkLst>
+            <pc:docMk/>
+            <pc:sldMk cId="394559105" sldId="1828"/>
+            <ac:spMk id="9" creationId="{77C3B844-E6D7-3624-1D88-491DC7FBE73F}"/>
+          </ac:spMkLst>
+        </pc:spChg>
+        <pc:spChg chg="mod">
+          <ac:chgData name="Gellenoncourt, Kevin" userId="83ce2c6d-0bd4-4cd9-955e-dd3efc6a7d5a" providerId="ADAL" clId="{A3A60514-9E58-4D9E-99F4-2C9DAB55E9EE}" dt="2023-04-13T12:14:45.162" v="21" actId="14100"/>
+          <ac:spMkLst>
+            <pc:docMk/>
+            <pc:sldMk cId="394559105" sldId="1828"/>
+            <ac:spMk id="11" creationId="{41A27570-4EE7-B3BA-F6CB-2BF7908DDCBF}"/>
+          </ac:spMkLst>
+        </pc:spChg>
+        <pc:spChg chg="mod">
+          <ac:chgData name="Gellenoncourt, Kevin" userId="83ce2c6d-0bd4-4cd9-955e-dd3efc6a7d5a" providerId="ADAL" clId="{A3A60514-9E58-4D9E-99F4-2C9DAB55E9EE}" dt="2023-04-13T12:14:51.807" v="35" actId="1035"/>
+          <ac:spMkLst>
+            <pc:docMk/>
+            <pc:sldMk cId="394559105" sldId="1828"/>
+            <ac:spMk id="15" creationId="{9D7E702D-19C2-2F3F-70B5-73F6CC7B90B0}"/>
+          </ac:spMkLst>
+        </pc:spChg>
+        <pc:spChg chg="mod">
+          <ac:chgData name="Gellenoncourt, Kevin" userId="83ce2c6d-0bd4-4cd9-955e-dd3efc6a7d5a" providerId="ADAL" clId="{A3A60514-9E58-4D9E-99F4-2C9DAB55E9EE}" dt="2023-04-13T12:14:53.671" v="36" actId="14100"/>
+          <ac:spMkLst>
+            <pc:docMk/>
+            <pc:sldMk cId="394559105" sldId="1828"/>
+            <ac:spMk id="16" creationId="{193E23CE-10D3-6AF3-8769-9A0DD9180317}"/>
+          </ac:spMkLst>
+        </pc:spChg>
+        <pc:spChg chg="mod">
+          <ac:chgData name="Gellenoncourt, Kevin" userId="83ce2c6d-0bd4-4cd9-955e-dd3efc6a7d5a" providerId="ADAL" clId="{A3A60514-9E58-4D9E-99F4-2C9DAB55E9EE}" dt="2023-04-17T09:49:12.005" v="238" actId="14100"/>
+          <ac:spMkLst>
+            <pc:docMk/>
+            <pc:sldMk cId="394559105" sldId="1828"/>
+            <ac:spMk id="23" creationId="{D45C1964-3199-AEA8-A302-B7CC89E83D1C}"/>
+          </ac:spMkLst>
+        </pc:spChg>
+        <pc:spChg chg="del mod">
+          <ac:chgData name="Gellenoncourt, Kevin" userId="83ce2c6d-0bd4-4cd9-955e-dd3efc6a7d5a" providerId="ADAL" clId="{A3A60514-9E58-4D9E-99F4-2C9DAB55E9EE}" dt="2023-04-17T09:49:08.618" v="237" actId="21"/>
+          <ac:spMkLst>
+            <pc:docMk/>
+            <pc:sldMk cId="394559105" sldId="1828"/>
+            <ac:spMk id="25" creationId="{1F44828C-2473-8027-6E16-DD3C9C323280}"/>
+          </ac:spMkLst>
+        </pc:spChg>
+      </pc:sldChg>
+      <pc:sldChg chg="addSp modSp mod ord">
+        <pc:chgData name="Gellenoncourt, Kevin" userId="83ce2c6d-0bd4-4cd9-955e-dd3efc6a7d5a" providerId="ADAL" clId="{A3A60514-9E58-4D9E-99F4-2C9DAB55E9EE}" dt="2023-04-28T08:07:29.764" v="704"/>
+        <pc:sldMkLst>
+          <pc:docMk/>
+          <pc:sldMk cId="1931217021" sldId="1830"/>
+        </pc:sldMkLst>
+        <pc:spChg chg="mod">
+          <ac:chgData name="Gellenoncourt, Kevin" userId="83ce2c6d-0bd4-4cd9-955e-dd3efc6a7d5a" providerId="ADAL" clId="{A3A60514-9E58-4D9E-99F4-2C9DAB55E9EE}" dt="2023-04-20T08:30:01.275" v="573" actId="20577"/>
+          <ac:spMkLst>
+            <pc:docMk/>
+            <pc:sldMk cId="1931217021" sldId="1830"/>
+            <ac:spMk id="3" creationId="{968DACCB-6332-4C26-39F2-2D374711D2B0}"/>
+          </ac:spMkLst>
+        </pc:spChg>
+        <pc:spChg chg="add mod">
+          <ac:chgData name="Gellenoncourt, Kevin" userId="83ce2c6d-0bd4-4cd9-955e-dd3efc6a7d5a" providerId="ADAL" clId="{A3A60514-9E58-4D9E-99F4-2C9DAB55E9EE}" dt="2023-04-20T08:30:58.508" v="610" actId="14100"/>
+          <ac:spMkLst>
+            <pc:docMk/>
+            <pc:sldMk cId="1931217021" sldId="1830"/>
+            <ac:spMk id="5" creationId="{70270940-53A9-A871-FF5F-3D0FED83C951}"/>
+          </ac:spMkLst>
+        </pc:spChg>
+      </pc:sldChg>
+      <pc:sldChg chg="addSp delSp modSp add mod ord delCm modCm">
+        <pc:chgData name="Gellenoncourt, Kevin" userId="83ce2c6d-0bd4-4cd9-955e-dd3efc6a7d5a" providerId="ADAL" clId="{A3A60514-9E58-4D9E-99F4-2C9DAB55E9EE}" dt="2023-04-28T08:07:53.650" v="706"/>
+        <pc:sldMkLst>
+          <pc:docMk/>
+          <pc:sldMk cId="3334357831" sldId="1831"/>
+        </pc:sldMkLst>
+        <pc:spChg chg="mod">
+          <ac:chgData name="Gellenoncourt, Kevin" userId="83ce2c6d-0bd4-4cd9-955e-dd3efc6a7d5a" providerId="ADAL" clId="{A3A60514-9E58-4D9E-99F4-2C9DAB55E9EE}" dt="2023-04-18T16:05:25.425" v="420" actId="20577"/>
+          <ac:spMkLst>
+            <pc:docMk/>
+            <pc:sldMk cId="3334357831" sldId="1831"/>
+            <ac:spMk id="3" creationId="{C3167168-4490-6A90-9CBD-B650CA1D9D85}"/>
+          </ac:spMkLst>
+        </pc:spChg>
+        <pc:spChg chg="mod">
+          <ac:chgData name="Gellenoncourt, Kevin" userId="83ce2c6d-0bd4-4cd9-955e-dd3efc6a7d5a" providerId="ADAL" clId="{A3A60514-9E58-4D9E-99F4-2C9DAB55E9EE}" dt="2023-04-17T09:48:50.093" v="236" actId="20577"/>
+          <ac:spMkLst>
+            <pc:docMk/>
+            <pc:sldMk cId="3334357831" sldId="1831"/>
+            <ac:spMk id="7" creationId="{F13AB203-EAC6-E49A-83BD-3061EAD28268}"/>
+          </ac:spMkLst>
+        </pc:spChg>
+        <pc:spChg chg="add mod">
+          <ac:chgData name="Gellenoncourt, Kevin" userId="83ce2c6d-0bd4-4cd9-955e-dd3efc6a7d5a" providerId="ADAL" clId="{A3A60514-9E58-4D9E-99F4-2C9DAB55E9EE}" dt="2023-04-18T16:04:37.975" v="395" actId="14100"/>
+          <ac:spMkLst>
+            <pc:docMk/>
+            <pc:sldMk cId="3334357831" sldId="1831"/>
+            <ac:spMk id="10" creationId="{2825B4BF-40B3-9FBF-C859-DA93D2777B60}"/>
+          </ac:spMkLst>
+        </pc:spChg>
+        <pc:spChg chg="mod">
+          <ac:chgData name="Gellenoncourt, Kevin" userId="83ce2c6d-0bd4-4cd9-955e-dd3efc6a7d5a" providerId="ADAL" clId="{A3A60514-9E58-4D9E-99F4-2C9DAB55E9EE}" dt="2023-04-18T16:05:36.979" v="436" actId="20577"/>
+          <ac:spMkLst>
+            <pc:docMk/>
+            <pc:sldMk cId="3334357831" sldId="1831"/>
+            <ac:spMk id="11" creationId="{842C7B8B-D546-5F52-8614-36B5D5B7072A}"/>
+          </ac:spMkLst>
+        </pc:spChg>
+        <pc:spChg chg="mod">
+          <ac:chgData name="Gellenoncourt, Kevin" userId="83ce2c6d-0bd4-4cd9-955e-dd3efc6a7d5a" providerId="ADAL" clId="{A3A60514-9E58-4D9E-99F4-2C9DAB55E9EE}" dt="2023-04-17T09:46:44.785" v="160" actId="14100"/>
+          <ac:spMkLst>
+            <pc:docMk/>
+            <pc:sldMk cId="3334357831" sldId="1831"/>
+            <ac:spMk id="12" creationId="{B104700F-4F00-45C5-9952-8E84D40A9556}"/>
+          </ac:spMkLst>
+        </pc:spChg>
+        <pc:spChg chg="add mod">
+          <ac:chgData name="Gellenoncourt, Kevin" userId="83ce2c6d-0bd4-4cd9-955e-dd3efc6a7d5a" providerId="ADAL" clId="{A3A60514-9E58-4D9E-99F4-2C9DAB55E9EE}" dt="2023-04-18T16:04:50.715" v="400" actId="14100"/>
+          <ac:spMkLst>
+            <pc:docMk/>
+            <pc:sldMk cId="3334357831" sldId="1831"/>
+            <ac:spMk id="13" creationId="{7BDA3FE1-028D-4F92-3CCF-B587021596BC}"/>
+          </ac:spMkLst>
+        </pc:spChg>
+        <pc:spChg chg="mod">
+          <ac:chgData name="Gellenoncourt, Kevin" userId="83ce2c6d-0bd4-4cd9-955e-dd3efc6a7d5a" providerId="ADAL" clId="{A3A60514-9E58-4D9E-99F4-2C9DAB55E9EE}" dt="2023-04-18T16:01:27.465" v="308" actId="20577"/>
+          <ac:spMkLst>
+            <pc:docMk/>
+            <pc:sldMk cId="3334357831" sldId="1831"/>
+            <ac:spMk id="14" creationId="{417EBD97-910E-B0D6-C155-F9B9D1A40E38}"/>
+          </ac:spMkLst>
+        </pc:spChg>
+        <pc:spChg chg="mod">
+          <ac:chgData name="Gellenoncourt, Kevin" userId="83ce2c6d-0bd4-4cd9-955e-dd3efc6a7d5a" providerId="ADAL" clId="{A3A60514-9E58-4D9E-99F4-2C9DAB55E9EE}" dt="2023-04-18T16:05:05.593" v="404" actId="20577"/>
+          <ac:spMkLst>
+            <pc:docMk/>
+            <pc:sldMk cId="3334357831" sldId="1831"/>
+            <ac:spMk id="15" creationId="{C7C48C59-B55F-8595-05E0-5A4B5D311AD4}"/>
+          </ac:spMkLst>
+        </pc:spChg>
+        <pc:spChg chg="add mod">
+          <ac:chgData name="Gellenoncourt, Kevin" userId="83ce2c6d-0bd4-4cd9-955e-dd3efc6a7d5a" providerId="ADAL" clId="{A3A60514-9E58-4D9E-99F4-2C9DAB55E9EE}" dt="2023-04-18T07:45:25.921" v="301" actId="3626"/>
+          <ac:spMkLst>
+            <pc:docMk/>
+            <pc:sldMk cId="3334357831" sldId="1831"/>
+            <ac:spMk id="16" creationId="{81C3B5F2-BA6E-CA36-C55C-CF4E663B99D6}"/>
+          </ac:spMkLst>
+        </pc:spChg>
+        <pc:spChg chg="add mod">
+          <ac:chgData name="Gellenoncourt, Kevin" userId="83ce2c6d-0bd4-4cd9-955e-dd3efc6a7d5a" providerId="ADAL" clId="{A3A60514-9E58-4D9E-99F4-2C9DAB55E9EE}" dt="2023-04-18T16:04:17.494" v="388" actId="1076"/>
+          <ac:spMkLst>
+            <pc:docMk/>
+            <pc:sldMk cId="3334357831" sldId="1831"/>
+            <ac:spMk id="17" creationId="{62072801-7EBE-BFDE-4B12-69A8A9B2A3BF}"/>
+          </ac:spMkLst>
+        </pc:spChg>
+        <pc:spChg chg="add mod">
+          <ac:chgData name="Gellenoncourt, Kevin" userId="83ce2c6d-0bd4-4cd9-955e-dd3efc6a7d5a" providerId="ADAL" clId="{A3A60514-9E58-4D9E-99F4-2C9DAB55E9EE}" dt="2023-04-18T16:04:31.819" v="394" actId="14100"/>
+          <ac:spMkLst>
+            <pc:docMk/>
+            <pc:sldMk cId="3334357831" sldId="1831"/>
+            <ac:spMk id="18" creationId="{12AF2180-CD55-EF16-53B3-15E6809EC565}"/>
+          </ac:spMkLst>
+        </pc:spChg>
+        <pc:spChg chg="del">
+          <ac:chgData name="Gellenoncourt, Kevin" userId="83ce2c6d-0bd4-4cd9-955e-dd3efc6a7d5a" providerId="ADAL" clId="{A3A60514-9E58-4D9E-99F4-2C9DAB55E9EE}" dt="2023-04-17T09:46:36.095" v="158" actId="478"/>
+          <ac:spMkLst>
+            <pc:docMk/>
+            <pc:sldMk cId="3334357831" sldId="1831"/>
+            <ac:spMk id="21" creationId="{7B90F373-D3ED-4A5A-81DD-11B4B5E645DB}"/>
+          </ac:spMkLst>
+        </pc:spChg>
+        <pc:spChg chg="mod">
+          <ac:chgData name="Gellenoncourt, Kevin" userId="83ce2c6d-0bd4-4cd9-955e-dd3efc6a7d5a" providerId="ADAL" clId="{A3A60514-9E58-4D9E-99F4-2C9DAB55E9EE}" dt="2023-04-18T16:02:45.718" v="344" actId="14100"/>
+          <ac:spMkLst>
+            <pc:docMk/>
+            <pc:sldMk cId="3334357831" sldId="1831"/>
+            <ac:spMk id="27" creationId="{416BE16B-1E8C-48FA-B7AE-7624496931AD}"/>
+          </ac:spMkLst>
+        </pc:spChg>
+      </pc:sldChg>
     </pc:docChg>
   </pc:docChgLst>
   <pc:docChgLst>
@@ -17167,7 +17167,7 @@
           <a:p>
             <a:fld id="{F869B831-4E69-4D2A-AD19-BF4301D60DCB}" type="datetimeFigureOut">
               <a:rPr lang="fr-FR" smtClean="0"/>
-              <a:t>10/09/2023</a:t>
+              <a:t>13/09/2023</a:t>
             </a:fld>
             <a:endParaRPr lang="fr-FR"/>
           </a:p>
@@ -17344,7 +17344,7 @@
           <a:p>
             <a:fld id="{21CD3A5E-BD05-4410-88B3-BEFECD2D9F92}" type="datetimeFigureOut">
               <a:rPr lang="fr-FR" smtClean="0"/>
-              <a:t>10/09/2023</a:t>
+              <a:t>13/09/2023</a:t>
             </a:fld>
             <a:endParaRPr lang="fr-FR"/>
           </a:p>
@@ -22726,10 +22726,9 @@
               <a:buNone/>
             </a:pPr>
             <a:r>
-              <a:rPr lang="en-US" dirty="0" err="1"/>
+              <a:rPr lang="en-US" dirty="0"/>
               <a:t>Monolythe</a:t>
             </a:r>
-            <a:endParaRPr lang="en-US" dirty="0"/>
           </a:p>
         </p:txBody>
       </p:sp>
@@ -22938,10 +22937,9 @@
               <a:buNone/>
             </a:pPr>
             <a:r>
-              <a:rPr lang="en-US" dirty="0" err="1"/>
+              <a:rPr lang="en-US" dirty="0"/>
               <a:t>MicroServices</a:t>
             </a:r>
-            <a:endParaRPr lang="en-US" dirty="0"/>
           </a:p>
         </p:txBody>
       </p:sp>
@@ -30069,6 +30067,15 @@
 </file>
 
 <file path=customXml/item1.xml><?xml version="1.0" encoding="utf-8"?>
+<?mso-contentType ?>
+<FormTemplates xmlns="http://schemas.microsoft.com/sharepoint/v3/contenttype/forms">
+  <Display>DocumentLibraryForm</Display>
+  <Edit>DocumentLibraryForm</Edit>
+  <New>DocumentLibraryForm</New>
+</FormTemplates>
+</file>
+
+<file path=customXml/item2.xml><?xml version="1.0" encoding="utf-8"?>
 <p:properties xmlns:p="http://schemas.microsoft.com/office/2006/metadata/properties" xmlns:xsi="http://www.w3.org/2001/XMLSchema-instance" xmlns:pc="http://schemas.microsoft.com/office/infopath/2007/PartnerControls">
   <documentManagement>
     <lcf76f155ced4ddcb4097134ff3c332f xmlns="4686bda6-deda-4a53-9ce5-2ab192257292">
@@ -30077,15 +30084,6 @@
     <TaxCatchAll xmlns="718058b2-8753-44ce-95b0-d0067b5629da" xsi:nil="true"/>
   </documentManagement>
 </p:properties>
-</file>
-
-<file path=customXml/item2.xml><?xml version="1.0" encoding="utf-8"?>
-<?mso-contentType ?>
-<FormTemplates xmlns="http://schemas.microsoft.com/sharepoint/v3/contenttype/forms">
-  <Display>DocumentLibraryForm</Display>
-  <Edit>DocumentLibraryForm</Edit>
-  <New>DocumentLibraryForm</New>
-</FormTemplates>
 </file>
 
 <file path=customXml/item3.xml><?xml version="1.0" encoding="utf-8"?>
@@ -30318,20 +30316,20 @@
 </file>
 
 <file path=customXml/itemProps1.xml><?xml version="1.0" encoding="utf-8"?>
+<ds:datastoreItem xmlns:ds="http://schemas.openxmlformats.org/officeDocument/2006/customXml" ds:itemID="{34397568-BCFC-4083-81F0-E6CAD2F36C27}">
+  <ds:schemaRefs>
+    <ds:schemaRef ds:uri="http://schemas.microsoft.com/sharepoint/v3/contenttype/forms"/>
+  </ds:schemaRefs>
+</ds:datastoreItem>
+</file>
+
+<file path=customXml/itemProps2.xml><?xml version="1.0" encoding="utf-8"?>
 <ds:datastoreItem xmlns:ds="http://schemas.openxmlformats.org/officeDocument/2006/customXml" ds:itemID="{04039FE3-5222-47C8-842D-2F3B0E099BAA}">
   <ds:schemaRefs>
     <ds:schemaRef ds:uri="4686bda6-deda-4a53-9ce5-2ab192257292"/>
     <ds:schemaRef ds:uri="718058b2-8753-44ce-95b0-d0067b5629da"/>
     <ds:schemaRef ds:uri="http://schemas.microsoft.com/office/2006/metadata/properties"/>
     <ds:schemaRef ds:uri="http://schemas.microsoft.com/office/infopath/2007/PartnerControls"/>
-  </ds:schemaRefs>
-</ds:datastoreItem>
-</file>
-
-<file path=customXml/itemProps2.xml><?xml version="1.0" encoding="utf-8"?>
-<ds:datastoreItem xmlns:ds="http://schemas.openxmlformats.org/officeDocument/2006/customXml" ds:itemID="{34397568-BCFC-4083-81F0-E6CAD2F36C27}">
-  <ds:schemaRefs>
-    <ds:schemaRef ds:uri="http://schemas.microsoft.com/sharepoint/v3/contenttype/forms"/>
   </ds:schemaRefs>
 </ds:datastoreItem>
 </file>
